--- a/docs/images/AD Architecture.pptx
+++ b/docs/images/AD Architecture.pptx
@@ -5,9 +5,9 @@
     <p:sldMasterId id="2147483648" r:id="rId1"/>
   </p:sldMasterIdLst>
   <p:sldIdLst>
-    <p:sldId id="256" r:id="rId2"/>
-    <p:sldId id="257" r:id="rId3"/>
-    <p:sldId id="258" r:id="rId4"/>
+    <p:sldId id="258" r:id="rId2"/>
+    <p:sldId id="256" r:id="rId3"/>
+    <p:sldId id="257" r:id="rId4"/>
   </p:sldIdLst>
   <p:sldSz cx="12192000" cy="6858000"/>
   <p:notesSz cx="6858000" cy="9144000"/>
@@ -243,7 +243,7 @@
           <a:p>
             <a:fld id="{5F225875-05B7-45BB-A1E2-9D73BEC1EB04}" type="datetimeFigureOut">
               <a:rPr lang="en-US" smtClean="0"/>
-              <a:t>4/2/2021</a:t>
+              <a:t>4/3/2021</a:t>
             </a:fld>
             <a:endParaRPr lang="en-US"/>
           </a:p>
@@ -411,7 +411,7 @@
           <a:p>
             <a:fld id="{5F225875-05B7-45BB-A1E2-9D73BEC1EB04}" type="datetimeFigureOut">
               <a:rPr lang="en-US" smtClean="0"/>
-              <a:t>4/2/2021</a:t>
+              <a:t>4/3/2021</a:t>
             </a:fld>
             <a:endParaRPr lang="en-US"/>
           </a:p>
@@ -589,7 +589,7 @@
           <a:p>
             <a:fld id="{5F225875-05B7-45BB-A1E2-9D73BEC1EB04}" type="datetimeFigureOut">
               <a:rPr lang="en-US" smtClean="0"/>
-              <a:t>4/2/2021</a:t>
+              <a:t>4/3/2021</a:t>
             </a:fld>
             <a:endParaRPr lang="en-US"/>
           </a:p>
@@ -757,7 +757,7 @@
           <a:p>
             <a:fld id="{5F225875-05B7-45BB-A1E2-9D73BEC1EB04}" type="datetimeFigureOut">
               <a:rPr lang="en-US" smtClean="0"/>
-              <a:t>4/2/2021</a:t>
+              <a:t>4/3/2021</a:t>
             </a:fld>
             <a:endParaRPr lang="en-US"/>
           </a:p>
@@ -1002,7 +1002,7 @@
           <a:p>
             <a:fld id="{5F225875-05B7-45BB-A1E2-9D73BEC1EB04}" type="datetimeFigureOut">
               <a:rPr lang="en-US" smtClean="0"/>
-              <a:t>4/2/2021</a:t>
+              <a:t>4/3/2021</a:t>
             </a:fld>
             <a:endParaRPr lang="en-US"/>
           </a:p>
@@ -1231,7 +1231,7 @@
           <a:p>
             <a:fld id="{5F225875-05B7-45BB-A1E2-9D73BEC1EB04}" type="datetimeFigureOut">
               <a:rPr lang="en-US" smtClean="0"/>
-              <a:t>4/2/2021</a:t>
+              <a:t>4/3/2021</a:t>
             </a:fld>
             <a:endParaRPr lang="en-US"/>
           </a:p>
@@ -1595,7 +1595,7 @@
           <a:p>
             <a:fld id="{5F225875-05B7-45BB-A1E2-9D73BEC1EB04}" type="datetimeFigureOut">
               <a:rPr lang="en-US" smtClean="0"/>
-              <a:t>4/2/2021</a:t>
+              <a:t>4/3/2021</a:t>
             </a:fld>
             <a:endParaRPr lang="en-US"/>
           </a:p>
@@ -1712,7 +1712,7 @@
           <a:p>
             <a:fld id="{5F225875-05B7-45BB-A1E2-9D73BEC1EB04}" type="datetimeFigureOut">
               <a:rPr lang="en-US" smtClean="0"/>
-              <a:t>4/2/2021</a:t>
+              <a:t>4/3/2021</a:t>
             </a:fld>
             <a:endParaRPr lang="en-US"/>
           </a:p>
@@ -1807,7 +1807,7 @@
           <a:p>
             <a:fld id="{5F225875-05B7-45BB-A1E2-9D73BEC1EB04}" type="datetimeFigureOut">
               <a:rPr lang="en-US" smtClean="0"/>
-              <a:t>4/2/2021</a:t>
+              <a:t>4/3/2021</a:t>
             </a:fld>
             <a:endParaRPr lang="en-US"/>
           </a:p>
@@ -2082,7 +2082,7 @@
           <a:p>
             <a:fld id="{5F225875-05B7-45BB-A1E2-9D73BEC1EB04}" type="datetimeFigureOut">
               <a:rPr lang="en-US" smtClean="0"/>
-              <a:t>4/2/2021</a:t>
+              <a:t>4/3/2021</a:t>
             </a:fld>
             <a:endParaRPr lang="en-US"/>
           </a:p>
@@ -2334,7 +2334,7 @@
           <a:p>
             <a:fld id="{5F225875-05B7-45BB-A1E2-9D73BEC1EB04}" type="datetimeFigureOut">
               <a:rPr lang="en-US" smtClean="0"/>
-              <a:t>4/2/2021</a:t>
+              <a:t>4/3/2021</a:t>
             </a:fld>
             <a:endParaRPr lang="en-US"/>
           </a:p>
@@ -2545,7 +2545,7 @@
           <a:p>
             <a:fld id="{5F225875-05B7-45BB-A1E2-9D73BEC1EB04}" type="datetimeFigureOut">
               <a:rPr lang="en-US" smtClean="0"/>
-              <a:t>4/2/2021</a:t>
+              <a:t>4/3/2021</a:t>
             </a:fld>
             <a:endParaRPr lang="en-US"/>
           </a:p>
@@ -3035,7 +3035,7 @@
           <a:blip r:embed="rId2">
             <a:extLst>
               <a:ext uri="{96DAC541-7B7A-43D3-8B79-37D633B846F1}">
-                <asvg:svgBlip xmlns="" xmlns:asvg="http://schemas.microsoft.com/office/drawing/2016/SVG/main" r:embed="rId3"/>
+                <asvg:svgBlip xmlns:asvg="http://schemas.microsoft.com/office/drawing/2016/SVG/main" xmlns="" r:embed="rId3"/>
               </a:ext>
             </a:extLst>
           </a:blip>
@@ -3139,7 +3139,7 @@
           <a:blip r:embed="rId4">
             <a:extLst>
               <a:ext uri="{96DAC541-7B7A-43D3-8B79-37D633B846F1}">
-                <asvg:svgBlip xmlns="" xmlns:asvg="http://schemas.microsoft.com/office/drawing/2016/SVG/main" r:embed="rId5"/>
+                <asvg:svgBlip xmlns:asvg="http://schemas.microsoft.com/office/drawing/2016/SVG/main" xmlns="" r:embed="rId5"/>
               </a:ext>
             </a:extLst>
           </a:blip>
@@ -3227,17 +3227,14 @@
           </a:p>
           <a:p>
             <a:pPr algn="l"/>
-            <a:r>
-              <a:rPr lang="en-US" sz="1000" dirty="0">
-                <a:solidFill>
-                  <a:schemeClr val="accent5"/>
-                </a:solidFill>
-                <a:latin typeface="Amazon Ember" panose="020B0603020204020204" pitchFamily="34" charset="0"/>
-                <a:ea typeface="Amazon Ember" panose="020B0603020204020204" pitchFamily="34" charset="0"/>
-                <a:cs typeface="Amazon Ember" panose="020B0603020204020204" pitchFamily="34" charset="0"/>
-              </a:rPr>
-              <a:t>10.0.128.0/20</a:t>
-            </a:r>
+            <a:endParaRPr lang="en-US" sz="1000" dirty="0">
+              <a:solidFill>
+                <a:schemeClr val="accent5"/>
+              </a:solidFill>
+              <a:latin typeface="Amazon Ember" panose="020B0603020204020204" pitchFamily="34" charset="0"/>
+              <a:ea typeface="Amazon Ember" panose="020B0603020204020204" pitchFamily="34" charset="0"/>
+              <a:cs typeface="Amazon Ember" panose="020B0603020204020204" pitchFamily="34" charset="0"/>
+            </a:endParaRPr>
           </a:p>
         </p:txBody>
       </p:sp>
@@ -3259,7 +3256,7 @@
           <a:blip r:embed="rId6">
             <a:extLst>
               <a:ext uri="{96DAC541-7B7A-43D3-8B79-37D633B846F1}">
-                <asvg:svgBlip xmlns="" xmlns:asvg="http://schemas.microsoft.com/office/drawing/2016/SVG/main" r:embed="rId7"/>
+                <asvg:svgBlip xmlns:asvg="http://schemas.microsoft.com/office/drawing/2016/SVG/main" xmlns="" r:embed="rId7"/>
               </a:ext>
             </a:extLst>
           </a:blip>
@@ -3347,17 +3344,14 @@
           </a:p>
           <a:p>
             <a:pPr algn="l"/>
-            <a:r>
-              <a:rPr lang="en-US" sz="1000" dirty="0">
-                <a:solidFill>
-                  <a:schemeClr val="accent3"/>
-                </a:solidFill>
-                <a:latin typeface="Amazon Ember" panose="020B0603020204020204" pitchFamily="34" charset="0"/>
-                <a:ea typeface="Amazon Ember" panose="020B0603020204020204" pitchFamily="34" charset="0"/>
-                <a:cs typeface="Amazon Ember" panose="020B0603020204020204" pitchFamily="34" charset="0"/>
-              </a:rPr>
-              <a:t>10.0.0.0/19</a:t>
-            </a:r>
+            <a:endParaRPr lang="en-US" sz="1000" dirty="0">
+              <a:solidFill>
+                <a:schemeClr val="accent3"/>
+              </a:solidFill>
+              <a:latin typeface="Amazon Ember" panose="020B0603020204020204" pitchFamily="34" charset="0"/>
+              <a:ea typeface="Amazon Ember" panose="020B0603020204020204" pitchFamily="34" charset="0"/>
+              <a:cs typeface="Amazon Ember" panose="020B0603020204020204" pitchFamily="34" charset="0"/>
+            </a:endParaRPr>
           </a:p>
         </p:txBody>
       </p:sp>
@@ -3379,7 +3373,7 @@
           <a:blip r:embed="rId8">
             <a:extLst>
               <a:ext uri="{96DAC541-7B7A-43D3-8B79-37D633B846F1}">
-                <asvg:svgBlip xmlns="" xmlns:asvg="http://schemas.microsoft.com/office/drawing/2016/SVG/main" r:embed="rId9"/>
+                <asvg:svgBlip xmlns:asvg="http://schemas.microsoft.com/office/drawing/2016/SVG/main" xmlns="" r:embed="rId9"/>
               </a:ext>
             </a:extLst>
           </a:blip>
@@ -3505,7 +3499,7 @@
           <a:blip r:embed="rId10">
             <a:extLst>
               <a:ext uri="{96DAC541-7B7A-43D3-8B79-37D633B846F1}">
-                <asvg:svgBlip xmlns="" xmlns:asvg="http://schemas.microsoft.com/office/drawing/2016/SVG/main" r:embed="rId11"/>
+                <asvg:svgBlip xmlns:asvg="http://schemas.microsoft.com/office/drawing/2016/SVG/main" xmlns="" r:embed="rId11"/>
               </a:ext>
             </a:extLst>
           </a:blip>
@@ -3606,7 +3600,7 @@
           <a:blip r:embed="rId12">
             <a:extLst>
               <a:ext uri="{96DAC541-7B7A-43D3-8B79-37D633B846F1}">
-                <asvg:svgBlip xmlns="" xmlns:asvg="http://schemas.microsoft.com/office/drawing/2016/SVG/main" r:embed="rId13"/>
+                <asvg:svgBlip xmlns:asvg="http://schemas.microsoft.com/office/drawing/2016/SVG/main" xmlns="" r:embed="rId13"/>
               </a:ext>
             </a:extLst>
           </a:blip>
@@ -3722,7 +3716,7 @@
           <a:blip r:embed="rId14">
             <a:extLst>
               <a:ext uri="{96DAC541-7B7A-43D3-8B79-37D633B846F1}">
-                <asvg:svgBlip xmlns="" xmlns:asvg="http://schemas.microsoft.com/office/drawing/2016/SVG/main" r:embed="rId17"/>
+                <asvg:svgBlip xmlns:asvg="http://schemas.microsoft.com/office/drawing/2016/SVG/main" xmlns="" r:embed="rId17"/>
               </a:ext>
             </a:extLst>
           </a:blip>
@@ -3758,7 +3752,7 @@
           <a:blip r:embed="rId12">
             <a:extLst>
               <a:ext uri="{96DAC541-7B7A-43D3-8B79-37D633B846F1}">
-                <asvg:svgBlip xmlns="" xmlns:asvg="http://schemas.microsoft.com/office/drawing/2016/SVG/main" r:embed="rId13"/>
+                <asvg:svgBlip xmlns:asvg="http://schemas.microsoft.com/office/drawing/2016/SVG/main" xmlns="" r:embed="rId13"/>
               </a:ext>
             </a:extLst>
           </a:blip>
@@ -3768,7 +3762,7 @@
         </p:blipFill>
         <p:spPr>
           <a:xfrm>
-            <a:off x="3278428" y="4191000"/>
+            <a:off x="3278428" y="4215491"/>
             <a:ext cx="469900" cy="469900"/>
           </a:xfrm>
           <a:prstGeom prst="rect">
@@ -3790,7 +3784,7 @@
         </p:nvSpPr>
         <p:spPr>
           <a:xfrm>
-            <a:off x="2756726" y="4636409"/>
+            <a:off x="2756726" y="4660900"/>
             <a:ext cx="1513305" cy="246221"/>
           </a:xfrm>
           <a:prstGeom prst="rect">
@@ -3894,17 +3888,14 @@
           </a:p>
           <a:p>
             <a:pPr algn="l"/>
-            <a:r>
-              <a:rPr lang="en-US" sz="1000" dirty="0">
-                <a:solidFill>
-                  <a:schemeClr val="accent5"/>
-                </a:solidFill>
-                <a:latin typeface="Amazon Ember" panose="020B0603020204020204" pitchFamily="34" charset="0"/>
-                <a:ea typeface="Amazon Ember" panose="020B0603020204020204" pitchFamily="34" charset="0"/>
-                <a:cs typeface="Amazon Ember" panose="020B0603020204020204" pitchFamily="34" charset="0"/>
-              </a:rPr>
-              <a:t>10.0.144.0/20</a:t>
-            </a:r>
+            <a:endParaRPr lang="en-US" sz="1000" dirty="0">
+              <a:solidFill>
+                <a:schemeClr val="accent5"/>
+              </a:solidFill>
+              <a:latin typeface="Amazon Ember" panose="020B0603020204020204" pitchFamily="34" charset="0"/>
+              <a:ea typeface="Amazon Ember" panose="020B0603020204020204" pitchFamily="34" charset="0"/>
+              <a:cs typeface="Amazon Ember" panose="020B0603020204020204" pitchFamily="34" charset="0"/>
+            </a:endParaRPr>
           </a:p>
         </p:txBody>
       </p:sp>
@@ -3926,7 +3917,7 @@
           <a:blip r:embed="rId6">
             <a:extLst>
               <a:ext uri="{96DAC541-7B7A-43D3-8B79-37D633B846F1}">
-                <asvg:svgBlip xmlns="" xmlns:asvg="http://schemas.microsoft.com/office/drawing/2016/SVG/main" r:embed="rId7"/>
+                <asvg:svgBlip xmlns:asvg="http://schemas.microsoft.com/office/drawing/2016/SVG/main" xmlns="" r:embed="rId7"/>
               </a:ext>
             </a:extLst>
           </a:blip>
@@ -4014,17 +4005,14 @@
           </a:p>
           <a:p>
             <a:pPr algn="l"/>
-            <a:r>
-              <a:rPr lang="en-US" sz="1000" dirty="0">
-                <a:solidFill>
-                  <a:schemeClr val="accent3"/>
-                </a:solidFill>
-                <a:latin typeface="Amazon Ember" panose="020B0603020204020204" pitchFamily="34" charset="0"/>
-                <a:ea typeface="Amazon Ember" panose="020B0603020204020204" pitchFamily="34" charset="0"/>
-                <a:cs typeface="Amazon Ember" panose="020B0603020204020204" pitchFamily="34" charset="0"/>
-              </a:rPr>
-              <a:t>10.0.32.0/19</a:t>
-            </a:r>
+            <a:endParaRPr lang="en-US" sz="1000" dirty="0">
+              <a:solidFill>
+                <a:schemeClr val="accent3"/>
+              </a:solidFill>
+              <a:latin typeface="Amazon Ember" panose="020B0603020204020204" pitchFamily="34" charset="0"/>
+              <a:ea typeface="Amazon Ember" panose="020B0603020204020204" pitchFamily="34" charset="0"/>
+              <a:cs typeface="Amazon Ember" panose="020B0603020204020204" pitchFamily="34" charset="0"/>
+            </a:endParaRPr>
           </a:p>
         </p:txBody>
       </p:sp>
@@ -4046,7 +4034,7 @@
           <a:blip r:embed="rId8">
             <a:extLst>
               <a:ext uri="{96DAC541-7B7A-43D3-8B79-37D633B846F1}">
-                <asvg:svgBlip xmlns="" xmlns:asvg="http://schemas.microsoft.com/office/drawing/2016/SVG/main" r:embed="rId9"/>
+                <asvg:svgBlip xmlns:asvg="http://schemas.microsoft.com/office/drawing/2016/SVG/main" xmlns="" r:embed="rId9"/>
               </a:ext>
             </a:extLst>
           </a:blip>
@@ -4230,7 +4218,7 @@
           <a:blip r:embed="rId14">
             <a:extLst>
               <a:ext uri="{96DAC541-7B7A-43D3-8B79-37D633B846F1}">
-                <asvg:svgBlip xmlns="" xmlns:asvg="http://schemas.microsoft.com/office/drawing/2016/SVG/main" r:embed="rId17"/>
+                <asvg:svgBlip xmlns:asvg="http://schemas.microsoft.com/office/drawing/2016/SVG/main" xmlns="" r:embed="rId17"/>
               </a:ext>
             </a:extLst>
           </a:blip>
@@ -4266,7 +4254,7 @@
           <a:blip r:embed="rId12">
             <a:extLst>
               <a:ext uri="{96DAC541-7B7A-43D3-8B79-37D633B846F1}">
-                <asvg:svgBlip xmlns="" xmlns:asvg="http://schemas.microsoft.com/office/drawing/2016/SVG/main" r:embed="rId13"/>
+                <asvg:svgBlip xmlns:asvg="http://schemas.microsoft.com/office/drawing/2016/SVG/main" xmlns="" r:embed="rId13"/>
               </a:ext>
             </a:extLst>
           </a:blip>
@@ -4390,7 +4378,7 @@
           <a:blip r:embed="rId18">
             <a:extLst>
               <a:ext uri="{96DAC541-7B7A-43D3-8B79-37D633B846F1}">
-                <asvg:svgBlip xmlns="" xmlns:asvg="http://schemas.microsoft.com/office/drawing/2016/SVG/main" r:embed="rId19"/>
+                <asvg:svgBlip xmlns:asvg="http://schemas.microsoft.com/office/drawing/2016/SVG/main" xmlns="" r:embed="rId19"/>
               </a:ext>
             </a:extLst>
           </a:blip>
@@ -4422,7 +4410,7 @@
         </p:nvSpPr>
         <p:spPr>
           <a:xfrm>
-            <a:off x="7716930" y="3285485"/>
+            <a:off x="7716930" y="3868579"/>
             <a:ext cx="2301904" cy="246221"/>
           </a:xfrm>
           <a:prstGeom prst="rect">
@@ -4444,52 +4432,12 @@
           </a:p>
         </p:txBody>
       </p:sp>
-      <p:sp>
-        <p:nvSpPr>
-          <p:cNvPr id="78" name="TextBox 77">
-            <a:extLst>
-              <a:ext uri="{FF2B5EF4-FFF2-40B4-BE49-F238E27FC236}">
-                <a16:creationId xmlns:a16="http://schemas.microsoft.com/office/drawing/2014/main" id="{0D9C9ED7-4BA4-4A52-A859-CD9FFE710D26}"/>
-              </a:ext>
-            </a:extLst>
-          </p:cNvPr>
-          <p:cNvSpPr txBox="1"/>
-          <p:nvPr/>
-        </p:nvSpPr>
-        <p:spPr>
-          <a:xfrm>
-            <a:off x="8269361" y="4219772"/>
-            <a:ext cx="1202522" cy="246221"/>
-          </a:xfrm>
-          <a:prstGeom prst="rect">
-            <a:avLst/>
-          </a:prstGeom>
-          <a:noFill/>
-        </p:spPr>
-        <p:txBody>
-          <a:bodyPr wrap="square" rtlCol="0">
-            <a:spAutoFit/>
-          </a:bodyPr>
-          <a:lstStyle/>
-          <a:p>
-            <a:pPr algn="ctr"/>
-            <a:r>
-              <a:rPr lang="en-US" sz="1000" dirty="0">
-                <a:latin typeface="Amazon Ember" panose="020B0603020204020204" pitchFamily="34" charset="0"/>
-                <a:ea typeface="Amazon Ember" panose="020B0603020204020204" pitchFamily="34" charset="0"/>
-                <a:cs typeface="Amazon Ember" panose="020B0603020204020204" pitchFamily="34" charset="0"/>
-              </a:rPr>
-              <a:t>Parameter Store</a:t>
-            </a:r>
-          </a:p>
-        </p:txBody>
-      </p:sp>
       <p:pic>
         <p:nvPicPr>
-          <p:cNvPr id="79" name="Graphic 67">
-            <a:extLst>
-              <a:ext uri="{FF2B5EF4-FFF2-40B4-BE49-F238E27FC236}">
-                <a16:creationId xmlns:a16="http://schemas.microsoft.com/office/drawing/2014/main" id="{A7424224-B5A8-40A2-AAC6-7A1B95481AC7}"/>
+          <p:cNvPr id="82" name="Graphic 81">
+            <a:extLst>
+              <a:ext uri="{FF2B5EF4-FFF2-40B4-BE49-F238E27FC236}">
+                <a16:creationId xmlns:a16="http://schemas.microsoft.com/office/drawing/2014/main" id="{433A91E4-2B6F-4880-9946-495A6DFFF5D6}"/>
               </a:ext>
             </a:extLst>
           </p:cNvPr>
@@ -4502,7 +4450,7 @@
           <a:blip r:embed="rId20">
             <a:extLst>
               <a:ext uri="{96DAC541-7B7A-43D3-8B79-37D633B846F1}">
-                <asvg:svgBlip xmlns="" xmlns:asvg="http://schemas.microsoft.com/office/drawing/2016/SVG/main" r:embed="rId25"/>
+                <asvg:svgBlip xmlns:asvg="http://schemas.microsoft.com/office/drawing/2016/SVG/main" xmlns="" r:embed="rId29"/>
               </a:ext>
             </a:extLst>
           </a:blip>
@@ -4512,43 +4460,7 @@
         </p:blipFill>
         <p:spPr>
           <a:xfrm>
-            <a:off x="8638704" y="3733343"/>
-            <a:ext cx="469900" cy="469900"/>
-          </a:xfrm>
-          <a:prstGeom prst="rect">
-            <a:avLst/>
-          </a:prstGeom>
-        </p:spPr>
-      </p:pic>
-      <p:pic>
-        <p:nvPicPr>
-          <p:cNvPr id="82" name="Graphic 81">
-            <a:extLst>
-              <a:ext uri="{FF2B5EF4-FFF2-40B4-BE49-F238E27FC236}">
-                <a16:creationId xmlns:a16="http://schemas.microsoft.com/office/drawing/2014/main" id="{433A91E4-2B6F-4880-9946-495A6DFFF5D6}"/>
-              </a:ext>
-            </a:extLst>
-          </p:cNvPr>
-          <p:cNvPicPr>
-            <a:picLocks noChangeAspect="1"/>
-          </p:cNvPicPr>
-          <p:nvPr/>
-        </p:nvPicPr>
-        <p:blipFill>
-          <a:blip r:embed="rId26">
-            <a:extLst>
-              <a:ext uri="{96DAC541-7B7A-43D3-8B79-37D633B846F1}">
-                <asvg:svgBlip xmlns="" xmlns:asvg="http://schemas.microsoft.com/office/drawing/2016/SVG/main" r:embed="rId29"/>
-              </a:ext>
-            </a:extLst>
-          </a:blip>
-          <a:stretch>
-            <a:fillRect/>
-          </a:stretch>
-        </p:blipFill>
-        <p:spPr>
-          <a:xfrm>
-            <a:off x="8627190" y="2690409"/>
+            <a:off x="8627190" y="3326294"/>
             <a:ext cx="460921" cy="460921"/>
           </a:xfrm>
           <a:prstGeom prst="rect">
@@ -4583,7 +4495,7 @@
                 </a14:imgProps>
               </a:ext>
               <a:ext uri="{96DAC541-7B7A-43D3-8B79-37D633B846F1}">
-                <asvg:svgBlip xmlns="" xmlns:asvg="http://schemas.microsoft.com/office/drawing/2016/SVG/main" r:embed="rId32"/>
+                <asvg:svgBlip xmlns:asvg="http://schemas.microsoft.com/office/drawing/2016/SVG/main" xmlns="" r:embed="rId32"/>
               </a:ext>
             </a:extLst>
           </a:blip>
@@ -4601,10 +4513,231 @@
           </a:prstGeom>
         </p:spPr>
       </p:pic>
+      <p:pic>
+        <p:nvPicPr>
+          <p:cNvPr id="39" name="Graphic 15">
+            <a:extLst>
+              <a:ext uri="{FF2B5EF4-FFF2-40B4-BE49-F238E27FC236}">
+                <a16:creationId xmlns:a16="http://schemas.microsoft.com/office/drawing/2014/main" id="{3A010F8A-DF9B-CA43-8D41-3A122544E272}"/>
+              </a:ext>
+            </a:extLst>
+          </p:cNvPr>
+          <p:cNvPicPr>
+            <a:picLocks noChangeAspect="1" noChangeArrowheads="1"/>
+          </p:cNvPicPr>
+          <p:nvPr/>
+        </p:nvPicPr>
+        <p:blipFill>
+          <a:blip r:embed="rId33" cstate="print">
+            <a:extLst>
+              <a:ext uri="{28A0092B-C50C-407E-A947-70E740481C1C}">
+                <a14:useLocalDpi xmlns:a14="http://schemas.microsoft.com/office/drawing/2010/main" val="0"/>
+              </a:ext>
+            </a:extLst>
+          </a:blip>
+          <a:srcRect/>
+          <a:stretch>
+            <a:fillRect/>
+          </a:stretch>
+        </p:blipFill>
+        <p:spPr bwMode="auto">
+          <a:xfrm>
+            <a:off x="8589254" y="2107094"/>
+            <a:ext cx="457200" cy="457200"/>
+          </a:xfrm>
+          <a:prstGeom prst="rect">
+            <a:avLst/>
+          </a:prstGeom>
+          <a:noFill/>
+          <a:ln>
+            <a:noFill/>
+          </a:ln>
+          <a:extLst>
+            <a:ext uri="{909E8E84-426E-40DD-AFC4-6F175D3DCCD1}">
+              <a14:hiddenFill xmlns:a14="http://schemas.microsoft.com/office/drawing/2010/main">
+                <a:solidFill>
+                  <a:srgbClr val="FFFFFF"/>
+                </a:solidFill>
+              </a14:hiddenFill>
+            </a:ext>
+            <a:ext uri="{91240B29-F687-4F45-9708-019B960494DF}">
+              <a14:hiddenLine xmlns:a14="http://schemas.microsoft.com/office/drawing/2010/main" w="9525">
+                <a:solidFill>
+                  <a:srgbClr val="000000"/>
+                </a:solidFill>
+                <a:miter lim="800000"/>
+                <a:headEnd/>
+                <a:tailEnd/>
+              </a14:hiddenLine>
+            </a:ext>
+          </a:extLst>
+        </p:spPr>
+      </p:pic>
+      <p:sp>
+        <p:nvSpPr>
+          <p:cNvPr id="41" name="TextBox 11">
+            <a:extLst>
+              <a:ext uri="{FF2B5EF4-FFF2-40B4-BE49-F238E27FC236}">
+                <a16:creationId xmlns:a16="http://schemas.microsoft.com/office/drawing/2014/main" id="{EE7EF599-CC93-1843-94CE-F010641A8D23}"/>
+              </a:ext>
+            </a:extLst>
+          </p:cNvPr>
+          <p:cNvSpPr txBox="1">
+            <a:spLocks noChangeArrowheads="1"/>
+          </p:cNvSpPr>
+          <p:nvPr/>
+        </p:nvSpPr>
+        <p:spPr bwMode="auto">
+          <a:xfrm>
+            <a:off x="7707161" y="2640494"/>
+            <a:ext cx="2292350" cy="246221"/>
+          </a:xfrm>
+          <a:prstGeom prst="rect">
+            <a:avLst/>
+          </a:prstGeom>
+          <a:noFill/>
+          <a:ln>
+            <a:noFill/>
+          </a:ln>
+          <a:extLst>
+            <a:ext uri="{909E8E84-426E-40DD-AFC4-6F175D3DCCD1}">
+              <a14:hiddenFill xmlns:a14="http://schemas.microsoft.com/office/drawing/2010/main">
+                <a:solidFill>
+                  <a:srgbClr val="FFFFFF"/>
+                </a:solidFill>
+              </a14:hiddenFill>
+            </a:ext>
+            <a:ext uri="{91240B29-F687-4F45-9708-019B960494DF}">
+              <a14:hiddenLine xmlns:a14="http://schemas.microsoft.com/office/drawing/2010/main" w="9525">
+                <a:solidFill>
+                  <a:srgbClr val="000000"/>
+                </a:solidFill>
+                <a:miter lim="800000"/>
+                <a:headEnd/>
+                <a:tailEnd/>
+              </a14:hiddenLine>
+            </a:ext>
+          </a:extLst>
+        </p:spPr>
+        <p:txBody>
+          <a:bodyPr>
+            <a:spAutoFit/>
+          </a:bodyPr>
+          <a:lstStyle>
+            <a:lvl1pPr>
+              <a:defRPr>
+                <a:solidFill>
+                  <a:schemeClr val="tx1"/>
+                </a:solidFill>
+                <a:latin typeface="Calibri" panose="020F0502020204030204" pitchFamily="34" charset="0"/>
+              </a:defRPr>
+            </a:lvl1pPr>
+            <a:lvl2pPr marL="742950" indent="-285750">
+              <a:defRPr>
+                <a:solidFill>
+                  <a:schemeClr val="tx1"/>
+                </a:solidFill>
+                <a:latin typeface="Calibri" panose="020F0502020204030204" pitchFamily="34" charset="0"/>
+              </a:defRPr>
+            </a:lvl2pPr>
+            <a:lvl3pPr marL="1143000" indent="-228600">
+              <a:defRPr>
+                <a:solidFill>
+                  <a:schemeClr val="tx1"/>
+                </a:solidFill>
+                <a:latin typeface="Calibri" panose="020F0502020204030204" pitchFamily="34" charset="0"/>
+              </a:defRPr>
+            </a:lvl3pPr>
+            <a:lvl4pPr marL="1600200" indent="-228600">
+              <a:defRPr>
+                <a:solidFill>
+                  <a:schemeClr val="tx1"/>
+                </a:solidFill>
+                <a:latin typeface="Calibri" panose="020F0502020204030204" pitchFamily="34" charset="0"/>
+              </a:defRPr>
+            </a:lvl4pPr>
+            <a:lvl5pPr marL="2057400" indent="-228600">
+              <a:defRPr>
+                <a:solidFill>
+                  <a:schemeClr val="tx1"/>
+                </a:solidFill>
+                <a:latin typeface="Calibri" panose="020F0502020204030204" pitchFamily="34" charset="0"/>
+              </a:defRPr>
+            </a:lvl5pPr>
+            <a:lvl6pPr marL="2514600" indent="-228600" eaLnBrk="0" fontAlgn="base" hangingPunct="0">
+              <a:spcBef>
+                <a:spcPct val="0"/>
+              </a:spcBef>
+              <a:spcAft>
+                <a:spcPct val="0"/>
+              </a:spcAft>
+              <a:defRPr>
+                <a:solidFill>
+                  <a:schemeClr val="tx1"/>
+                </a:solidFill>
+                <a:latin typeface="Calibri" panose="020F0502020204030204" pitchFamily="34" charset="0"/>
+              </a:defRPr>
+            </a:lvl6pPr>
+            <a:lvl7pPr marL="2971800" indent="-228600" eaLnBrk="0" fontAlgn="base" hangingPunct="0">
+              <a:spcBef>
+                <a:spcPct val="0"/>
+              </a:spcBef>
+              <a:spcAft>
+                <a:spcPct val="0"/>
+              </a:spcAft>
+              <a:defRPr>
+                <a:solidFill>
+                  <a:schemeClr val="tx1"/>
+                </a:solidFill>
+                <a:latin typeface="Calibri" panose="020F0502020204030204" pitchFamily="34" charset="0"/>
+              </a:defRPr>
+            </a:lvl7pPr>
+            <a:lvl8pPr marL="3429000" indent="-228600" eaLnBrk="0" fontAlgn="base" hangingPunct="0">
+              <a:spcBef>
+                <a:spcPct val="0"/>
+              </a:spcBef>
+              <a:spcAft>
+                <a:spcPct val="0"/>
+              </a:spcAft>
+              <a:defRPr>
+                <a:solidFill>
+                  <a:schemeClr val="tx1"/>
+                </a:solidFill>
+                <a:latin typeface="Calibri" panose="020F0502020204030204" pitchFamily="34" charset="0"/>
+              </a:defRPr>
+            </a:lvl8pPr>
+            <a:lvl9pPr marL="3886200" indent="-228600" eaLnBrk="0" fontAlgn="base" hangingPunct="0">
+              <a:spcBef>
+                <a:spcPct val="0"/>
+              </a:spcBef>
+              <a:spcAft>
+                <a:spcPct val="0"/>
+              </a:spcAft>
+              <a:defRPr>
+                <a:solidFill>
+                  <a:schemeClr val="tx1"/>
+                </a:solidFill>
+                <a:latin typeface="Calibri" panose="020F0502020204030204" pitchFamily="34" charset="0"/>
+              </a:defRPr>
+            </a:lvl9pPr>
+          </a:lstStyle>
+          <a:p>
+            <a:pPr algn="ctr" eaLnBrk="1" hangingPunct="1"/>
+            <a:r>
+              <a:rPr lang="en-US" altLang="en-US" sz="1000" dirty="0">
+                <a:latin typeface="+mn-lt"/>
+                <a:ea typeface="Amazon Ember" panose="020B0603020204020204" pitchFamily="34" charset="0"/>
+                <a:cs typeface="Arial" panose="020B0604020202020204" pitchFamily="34" charset="0"/>
+              </a:rPr>
+              <a:t>AWS Systems Manager</a:t>
+            </a:r>
+          </a:p>
+        </p:txBody>
+      </p:sp>
     </p:spTree>
     <p:extLst>
       <p:ext uri="{BB962C8B-B14F-4D97-AF65-F5344CB8AC3E}">
-        <p14:creationId xmlns:p14="http://schemas.microsoft.com/office/powerpoint/2010/main" val="3261094883"/>
+        <p14:creationId xmlns:p14="http://schemas.microsoft.com/office/powerpoint/2010/main" val="2429459720"/>
       </p:ext>
     </p:extLst>
   </p:cSld>
@@ -4645,8 +4778,8 @@
         </p:nvSpPr>
         <p:spPr>
           <a:xfrm>
-            <a:off x="588108" y="685800"/>
-            <a:ext cx="9013092" cy="4800600"/>
+            <a:off x="67408" y="685800"/>
+            <a:ext cx="8314592" cy="4800600"/>
           </a:xfrm>
           <a:prstGeom prst="rect">
             <a:avLst/>
@@ -4716,7 +4849,7 @@
           <a:blip r:embed="rId2">
             <a:extLst>
               <a:ext uri="{96DAC541-7B7A-43D3-8B79-37D633B846F1}">
-                <asvg:svgBlip xmlns="" xmlns:asvg="http://schemas.microsoft.com/office/drawing/2016/SVG/main" r:embed="rId3"/>
+                <asvg:svgBlip xmlns:asvg="http://schemas.microsoft.com/office/drawing/2016/SVG/main" xmlns="" r:embed="rId3"/>
               </a:ext>
             </a:extLst>
           </a:blip>
@@ -4726,7 +4859,7 @@
         </p:blipFill>
         <p:spPr>
           <a:xfrm>
-            <a:off x="588108" y="697523"/>
+            <a:off x="67408" y="697523"/>
             <a:ext cx="330200" cy="330200"/>
           </a:xfrm>
           <a:prstGeom prst="rect">
@@ -4748,8 +4881,8 @@
         </p:nvSpPr>
         <p:spPr>
           <a:xfrm>
-            <a:off x="909516" y="1219200"/>
-            <a:ext cx="7167684" cy="4114800"/>
+            <a:off x="388816" y="1219200"/>
+            <a:ext cx="6702326" cy="4114800"/>
           </a:xfrm>
           <a:prstGeom prst="rect">
             <a:avLst/>
@@ -4820,7 +4953,7 @@
           <a:blip r:embed="rId4">
             <a:extLst>
               <a:ext uri="{96DAC541-7B7A-43D3-8B79-37D633B846F1}">
-                <asvg:svgBlip xmlns="" xmlns:asvg="http://schemas.microsoft.com/office/drawing/2016/SVG/main" r:embed="rId5"/>
+                <asvg:svgBlip xmlns:asvg="http://schemas.microsoft.com/office/drawing/2016/SVG/main" xmlns="" r:embed="rId5"/>
               </a:ext>
             </a:extLst>
           </a:blip>
@@ -4830,7 +4963,7 @@
         </p:blipFill>
         <p:spPr>
           <a:xfrm>
-            <a:off x="909516" y="1219200"/>
+            <a:off x="388816" y="1219200"/>
             <a:ext cx="330200" cy="330200"/>
           </a:xfrm>
           <a:prstGeom prst="rect">
@@ -4852,8 +4985,8 @@
         </p:nvSpPr>
         <p:spPr>
           <a:xfrm>
-            <a:off x="1523999" y="1600200"/>
-            <a:ext cx="2743201" cy="1447800"/>
+            <a:off x="841131" y="1600200"/>
+            <a:ext cx="2425701" cy="1447800"/>
           </a:xfrm>
           <a:prstGeom prst="rect">
             <a:avLst/>
@@ -4895,7 +5028,7 @@
           <a:p>
             <a:pPr algn="l"/>
             <a:r>
-              <a:rPr lang="en-US" sz="1000" dirty="0">
+              <a:rPr lang="en-US" sz="1000">
                 <a:solidFill>
                   <a:schemeClr val="accent5"/>
                 </a:solidFill>
@@ -4903,13 +5036,10 @@
                 <a:ea typeface="Amazon Ember" panose="020B0603020204020204" pitchFamily="34" charset="0"/>
                 <a:cs typeface="Amazon Ember" panose="020B0603020204020204" pitchFamily="34" charset="0"/>
               </a:rPr>
-              <a:t>Public subnet</a:t>
-            </a:r>
-          </a:p>
-          <a:p>
-            <a:pPr algn="l"/>
-            <a:r>
-              <a:rPr lang="en-US" sz="1000" dirty="0">
+              <a:t>Public </a:t>
+            </a:r>
+            <a:r>
+              <a:rPr lang="en-US" sz="1000" smtClean="0">
                 <a:solidFill>
                   <a:schemeClr val="accent5"/>
                 </a:solidFill>
@@ -4917,8 +5047,16 @@
                 <a:ea typeface="Amazon Ember" panose="020B0603020204020204" pitchFamily="34" charset="0"/>
                 <a:cs typeface="Amazon Ember" panose="020B0603020204020204" pitchFamily="34" charset="0"/>
               </a:rPr>
-              <a:t>10.0.128.0/20</a:t>
-            </a:r>
+              <a:t>subnet</a:t>
+            </a:r>
+            <a:endParaRPr lang="en-US" sz="1000" dirty="0">
+              <a:solidFill>
+                <a:schemeClr val="accent5"/>
+              </a:solidFill>
+              <a:latin typeface="Amazon Ember" panose="020B0603020204020204" pitchFamily="34" charset="0"/>
+              <a:ea typeface="Amazon Ember" panose="020B0603020204020204" pitchFamily="34" charset="0"/>
+              <a:cs typeface="Amazon Ember" panose="020B0603020204020204" pitchFamily="34" charset="0"/>
+            </a:endParaRPr>
           </a:p>
         </p:txBody>
       </p:sp>
@@ -4940,7 +5078,7 @@
           <a:blip r:embed="rId6">
             <a:extLst>
               <a:ext uri="{96DAC541-7B7A-43D3-8B79-37D633B846F1}">
-                <asvg:svgBlip xmlns="" xmlns:asvg="http://schemas.microsoft.com/office/drawing/2016/SVG/main" r:embed="rId7"/>
+                <asvg:svgBlip xmlns:asvg="http://schemas.microsoft.com/office/drawing/2016/SVG/main" xmlns="" r:embed="rId7"/>
               </a:ext>
             </a:extLst>
           </a:blip>
@@ -4950,7 +5088,7 @@
         </p:blipFill>
         <p:spPr>
           <a:xfrm>
-            <a:off x="1524000" y="1597841"/>
+            <a:off x="841132" y="1597841"/>
             <a:ext cx="274320" cy="274320"/>
           </a:xfrm>
           <a:prstGeom prst="rect">
@@ -4972,8 +5110,8 @@
         </p:nvSpPr>
         <p:spPr>
           <a:xfrm>
-            <a:off x="1521068" y="3404982"/>
-            <a:ext cx="2746132" cy="1624218"/>
+            <a:off x="838200" y="3404982"/>
+            <a:ext cx="2428632" cy="1624218"/>
           </a:xfrm>
           <a:prstGeom prst="rect">
             <a:avLst/>
@@ -5028,17 +5166,14 @@
           </a:p>
           <a:p>
             <a:pPr algn="l"/>
-            <a:r>
-              <a:rPr lang="en-US" sz="1000" dirty="0">
-                <a:solidFill>
-                  <a:schemeClr val="accent3"/>
-                </a:solidFill>
-                <a:latin typeface="Amazon Ember" panose="020B0603020204020204" pitchFamily="34" charset="0"/>
-                <a:ea typeface="Amazon Ember" panose="020B0603020204020204" pitchFamily="34" charset="0"/>
-                <a:cs typeface="Amazon Ember" panose="020B0603020204020204" pitchFamily="34" charset="0"/>
-              </a:rPr>
-              <a:t>10.0.0.0/19</a:t>
-            </a:r>
+            <a:endParaRPr lang="en-US" sz="1000" dirty="0">
+              <a:solidFill>
+                <a:schemeClr val="accent3"/>
+              </a:solidFill>
+              <a:latin typeface="Amazon Ember" panose="020B0603020204020204" pitchFamily="34" charset="0"/>
+              <a:ea typeface="Amazon Ember" panose="020B0603020204020204" pitchFamily="34" charset="0"/>
+              <a:cs typeface="Amazon Ember" panose="020B0603020204020204" pitchFamily="34" charset="0"/>
+            </a:endParaRPr>
           </a:p>
         </p:txBody>
       </p:sp>
@@ -5060,7 +5195,7 @@
           <a:blip r:embed="rId8">
             <a:extLst>
               <a:ext uri="{96DAC541-7B7A-43D3-8B79-37D633B846F1}">
-                <asvg:svgBlip xmlns="" xmlns:asvg="http://schemas.microsoft.com/office/drawing/2016/SVG/main" r:embed="rId9"/>
+                <asvg:svgBlip xmlns:asvg="http://schemas.microsoft.com/office/drawing/2016/SVG/main" xmlns="" r:embed="rId9"/>
               </a:ext>
             </a:extLst>
           </a:blip>
@@ -5070,7 +5205,7 @@
         </p:blipFill>
         <p:spPr>
           <a:xfrm>
-            <a:off x="1521069" y="3402623"/>
+            <a:off x="838201" y="3402623"/>
             <a:ext cx="274320" cy="274320"/>
           </a:xfrm>
           <a:prstGeom prst="rect">
@@ -5092,7 +5227,7 @@
         </p:nvSpPr>
         <p:spPr>
           <a:xfrm>
-            <a:off x="2895600" y="1828800"/>
+            <a:off x="2057400" y="1828800"/>
             <a:ext cx="3657600" cy="1143000"/>
           </a:xfrm>
           <a:prstGeom prst="rect">
@@ -5186,7 +5321,7 @@
           <a:blip r:embed="rId10">
             <a:extLst>
               <a:ext uri="{96DAC541-7B7A-43D3-8B79-37D633B846F1}">
-                <asvg:svgBlip xmlns="" xmlns:asvg="http://schemas.microsoft.com/office/drawing/2016/SVG/main" r:embed="rId11"/>
+                <asvg:svgBlip xmlns:asvg="http://schemas.microsoft.com/office/drawing/2016/SVG/main" xmlns="" r:embed="rId11"/>
               </a:ext>
             </a:extLst>
           </a:blip>
@@ -5196,7 +5331,7 @@
         </p:blipFill>
         <p:spPr>
           <a:xfrm>
-            <a:off x="4551483" y="1828800"/>
+            <a:off x="3713283" y="1828800"/>
             <a:ext cx="330200" cy="330200"/>
           </a:xfrm>
           <a:prstGeom prst="rect">
@@ -5218,8 +5353,8 @@
         </p:nvSpPr>
         <p:spPr>
           <a:xfrm>
-            <a:off x="1446724" y="932962"/>
-            <a:ext cx="2896675" cy="4248638"/>
+            <a:off x="762000" y="932962"/>
+            <a:ext cx="2570337" cy="4248638"/>
           </a:xfrm>
           <a:prstGeom prst="rect">
             <a:avLst/>
@@ -5287,7 +5422,7 @@
           <a:blip r:embed="rId12">
             <a:extLst>
               <a:ext uri="{96DAC541-7B7A-43D3-8B79-37D633B846F1}">
-                <asvg:svgBlip xmlns="" xmlns:asvg="http://schemas.microsoft.com/office/drawing/2016/SVG/main" r:embed="rId13"/>
+                <asvg:svgBlip xmlns:asvg="http://schemas.microsoft.com/office/drawing/2016/SVG/main" xmlns="" r:embed="rId13"/>
               </a:ext>
             </a:extLst>
           </a:blip>
@@ -5297,7 +5432,7 @@
         </p:blipFill>
         <p:spPr>
           <a:xfrm>
-            <a:off x="3269735" y="2094808"/>
+            <a:off x="2586867" y="2094808"/>
             <a:ext cx="469900" cy="469900"/>
           </a:xfrm>
           <a:prstGeom prst="rect">
@@ -5319,7 +5454,7 @@
         </p:nvSpPr>
         <p:spPr>
           <a:xfrm>
-            <a:off x="2748033" y="2540217"/>
+            <a:off x="2065165" y="2540217"/>
             <a:ext cx="1513305" cy="246221"/>
           </a:xfrm>
           <a:prstGeom prst="rect">
@@ -5359,7 +5494,7 @@
         </p:nvSpPr>
         <p:spPr>
           <a:xfrm>
-            <a:off x="1637639" y="2542641"/>
+            <a:off x="954771" y="2542641"/>
             <a:ext cx="1236442" cy="246221"/>
           </a:xfrm>
           <a:prstGeom prst="rect">
@@ -5403,7 +5538,7 @@
           <a:blip r:embed="rId14">
             <a:extLst>
               <a:ext uri="{96DAC541-7B7A-43D3-8B79-37D633B846F1}">
-                <asvg:svgBlip xmlns="" xmlns:asvg="http://schemas.microsoft.com/office/drawing/2016/SVG/main" r:embed="rId17"/>
+                <asvg:svgBlip xmlns:asvg="http://schemas.microsoft.com/office/drawing/2016/SVG/main" xmlns="" r:embed="rId17"/>
               </a:ext>
             </a:extLst>
           </a:blip>
@@ -5413,7 +5548,7 @@
         </p:blipFill>
         <p:spPr>
           <a:xfrm>
-            <a:off x="2020910" y="2057400"/>
+            <a:off x="1338042" y="2057400"/>
             <a:ext cx="469900" cy="469900"/>
           </a:xfrm>
           <a:prstGeom prst="rect">
@@ -5439,7 +5574,7 @@
           <a:blip r:embed="rId12">
             <a:extLst>
               <a:ext uri="{96DAC541-7B7A-43D3-8B79-37D633B846F1}">
-                <asvg:svgBlip xmlns="" xmlns:asvg="http://schemas.microsoft.com/office/drawing/2016/SVG/main" r:embed="rId13"/>
+                <asvg:svgBlip xmlns:asvg="http://schemas.microsoft.com/office/drawing/2016/SVG/main" xmlns="" r:embed="rId13"/>
               </a:ext>
             </a:extLst>
           </a:blip>
@@ -5449,7 +5584,7 @@
         </p:blipFill>
         <p:spPr>
           <a:xfrm>
-            <a:off x="3278428" y="4191000"/>
+            <a:off x="1817102" y="4191000"/>
             <a:ext cx="469900" cy="469900"/>
           </a:xfrm>
           <a:prstGeom prst="rect">
@@ -5471,7 +5606,7 @@
         </p:nvSpPr>
         <p:spPr>
           <a:xfrm>
-            <a:off x="2756726" y="4636409"/>
+            <a:off x="1295400" y="4636409"/>
             <a:ext cx="1513305" cy="246221"/>
           </a:xfrm>
           <a:prstGeom prst="rect">
@@ -5519,8 +5654,8 @@
         </p:nvSpPr>
         <p:spPr>
           <a:xfrm>
-            <a:off x="5182675" y="1576754"/>
-            <a:ext cx="2743201" cy="1447800"/>
+            <a:off x="4496875" y="1576754"/>
+            <a:ext cx="2421421" cy="1447800"/>
           </a:xfrm>
           <a:prstGeom prst="rect">
             <a:avLst/>
@@ -5575,17 +5710,14 @@
           </a:p>
           <a:p>
             <a:pPr algn="l"/>
-            <a:r>
-              <a:rPr lang="en-US" sz="1000" dirty="0">
-                <a:solidFill>
-                  <a:schemeClr val="accent5"/>
-                </a:solidFill>
-                <a:latin typeface="Amazon Ember" panose="020B0603020204020204" pitchFamily="34" charset="0"/>
-                <a:ea typeface="Amazon Ember" panose="020B0603020204020204" pitchFamily="34" charset="0"/>
-                <a:cs typeface="Amazon Ember" panose="020B0603020204020204" pitchFamily="34" charset="0"/>
-              </a:rPr>
-              <a:t>10.0.144.0/20</a:t>
-            </a:r>
+            <a:endParaRPr lang="en-US" sz="1000" dirty="0">
+              <a:solidFill>
+                <a:schemeClr val="accent5"/>
+              </a:solidFill>
+              <a:latin typeface="Amazon Ember" panose="020B0603020204020204" pitchFamily="34" charset="0"/>
+              <a:ea typeface="Amazon Ember" panose="020B0603020204020204" pitchFamily="34" charset="0"/>
+              <a:cs typeface="Amazon Ember" panose="020B0603020204020204" pitchFamily="34" charset="0"/>
+            </a:endParaRPr>
           </a:p>
         </p:txBody>
       </p:sp>
@@ -5607,7 +5739,7 @@
           <a:blip r:embed="rId6">
             <a:extLst>
               <a:ext uri="{96DAC541-7B7A-43D3-8B79-37D633B846F1}">
-                <asvg:svgBlip xmlns="" xmlns:asvg="http://schemas.microsoft.com/office/drawing/2016/SVG/main" r:embed="rId7"/>
+                <asvg:svgBlip xmlns:asvg="http://schemas.microsoft.com/office/drawing/2016/SVG/main" xmlns="" r:embed="rId7"/>
               </a:ext>
             </a:extLst>
           </a:blip>
@@ -5617,7 +5749,7 @@
         </p:blipFill>
         <p:spPr>
           <a:xfrm>
-            <a:off x="5182676" y="1574395"/>
+            <a:off x="4496876" y="1574395"/>
             <a:ext cx="274320" cy="274320"/>
           </a:xfrm>
           <a:prstGeom prst="rect">
@@ -5639,8 +5771,8 @@
         </p:nvSpPr>
         <p:spPr>
           <a:xfrm>
-            <a:off x="5179744" y="3381536"/>
-            <a:ext cx="2746132" cy="1647664"/>
+            <a:off x="4493944" y="3381536"/>
+            <a:ext cx="2424352" cy="1647664"/>
           </a:xfrm>
           <a:prstGeom prst="rect">
             <a:avLst/>
@@ -5695,17 +5827,14 @@
           </a:p>
           <a:p>
             <a:pPr algn="l"/>
-            <a:r>
-              <a:rPr lang="en-US" sz="1000" dirty="0">
-                <a:solidFill>
-                  <a:schemeClr val="accent3"/>
-                </a:solidFill>
-                <a:latin typeface="Amazon Ember" panose="020B0603020204020204" pitchFamily="34" charset="0"/>
-                <a:ea typeface="Amazon Ember" panose="020B0603020204020204" pitchFamily="34" charset="0"/>
-                <a:cs typeface="Amazon Ember" panose="020B0603020204020204" pitchFamily="34" charset="0"/>
-              </a:rPr>
-              <a:t>10.0.32.0/19</a:t>
-            </a:r>
+            <a:endParaRPr lang="en-US" sz="1000" dirty="0">
+              <a:solidFill>
+                <a:schemeClr val="accent3"/>
+              </a:solidFill>
+              <a:latin typeface="Amazon Ember" panose="020B0603020204020204" pitchFamily="34" charset="0"/>
+              <a:ea typeface="Amazon Ember" panose="020B0603020204020204" pitchFamily="34" charset="0"/>
+              <a:cs typeface="Amazon Ember" panose="020B0603020204020204" pitchFamily="34" charset="0"/>
+            </a:endParaRPr>
           </a:p>
         </p:txBody>
       </p:sp>
@@ -5727,7 +5856,7 @@
           <a:blip r:embed="rId8">
             <a:extLst>
               <a:ext uri="{96DAC541-7B7A-43D3-8B79-37D633B846F1}">
-                <asvg:svgBlip xmlns="" xmlns:asvg="http://schemas.microsoft.com/office/drawing/2016/SVG/main" r:embed="rId9"/>
+                <asvg:svgBlip xmlns:asvg="http://schemas.microsoft.com/office/drawing/2016/SVG/main" xmlns="" r:embed="rId9"/>
               </a:ext>
             </a:extLst>
           </a:blip>
@@ -5737,7 +5866,7 @@
         </p:blipFill>
         <p:spPr>
           <a:xfrm>
-            <a:off x="5179745" y="3379177"/>
+            <a:off x="4493945" y="3379177"/>
             <a:ext cx="274320" cy="274320"/>
           </a:xfrm>
           <a:prstGeom prst="rect">
@@ -5759,8 +5888,8 @@
         </p:nvSpPr>
         <p:spPr>
           <a:xfrm>
-            <a:off x="5105400" y="932962"/>
-            <a:ext cx="2896675" cy="4248638"/>
+            <a:off x="4419600" y="932962"/>
+            <a:ext cx="2578100" cy="4248638"/>
           </a:xfrm>
           <a:prstGeom prst="rect">
             <a:avLst/>
@@ -5824,7 +5953,7 @@
         </p:nvSpPr>
         <p:spPr>
           <a:xfrm>
-            <a:off x="5105400" y="2516771"/>
+            <a:off x="4419600" y="2516771"/>
             <a:ext cx="1513305" cy="246221"/>
           </a:xfrm>
           <a:prstGeom prst="rect">
@@ -5867,7 +5996,7 @@
         </p:nvSpPr>
         <p:spPr>
           <a:xfrm>
-            <a:off x="6629400" y="2519195"/>
+            <a:off x="5854700" y="2519195"/>
             <a:ext cx="1236442" cy="246221"/>
           </a:xfrm>
           <a:prstGeom prst="rect">
@@ -5911,7 +6040,7 @@
           <a:blip r:embed="rId14">
             <a:extLst>
               <a:ext uri="{96DAC541-7B7A-43D3-8B79-37D633B846F1}">
-                <asvg:svgBlip xmlns="" xmlns:asvg="http://schemas.microsoft.com/office/drawing/2016/SVG/main" r:embed="rId17"/>
+                <asvg:svgBlip xmlns:asvg="http://schemas.microsoft.com/office/drawing/2016/SVG/main" xmlns="" r:embed="rId17"/>
               </a:ext>
             </a:extLst>
           </a:blip>
@@ -5921,7 +6050,7 @@
         </p:blipFill>
         <p:spPr>
           <a:xfrm>
-            <a:off x="7012671" y="2033954"/>
+            <a:off x="6237971" y="2033954"/>
             <a:ext cx="469900" cy="469900"/>
           </a:xfrm>
           <a:prstGeom prst="rect">
@@ -5947,7 +6076,7 @@
           <a:blip r:embed="rId12">
             <a:extLst>
               <a:ext uri="{96DAC541-7B7A-43D3-8B79-37D633B846F1}">
-                <asvg:svgBlip xmlns="" xmlns:asvg="http://schemas.microsoft.com/office/drawing/2016/SVG/main" r:embed="rId13"/>
+                <asvg:svgBlip xmlns:asvg="http://schemas.microsoft.com/office/drawing/2016/SVG/main" xmlns="" r:embed="rId13"/>
               </a:ext>
             </a:extLst>
           </a:blip>
@@ -5957,7 +6086,7 @@
         </p:blipFill>
         <p:spPr>
           <a:xfrm>
-            <a:off x="5713997" y="4191000"/>
+            <a:off x="5485397" y="4191000"/>
             <a:ext cx="469900" cy="469900"/>
           </a:xfrm>
           <a:prstGeom prst="rect">
@@ -5979,7 +6108,7 @@
         </p:nvSpPr>
         <p:spPr>
           <a:xfrm>
-            <a:off x="5192295" y="4636409"/>
+            <a:off x="4963695" y="4636409"/>
             <a:ext cx="1513305" cy="246221"/>
           </a:xfrm>
           <a:prstGeom prst="rect">
@@ -6027,7 +6156,7 @@
         </p:nvSpPr>
         <p:spPr>
           <a:xfrm>
-            <a:off x="4093378" y="1379982"/>
+            <a:off x="3255178" y="1379982"/>
             <a:ext cx="1259655" cy="246221"/>
           </a:xfrm>
           <a:prstGeom prst="rect">
@@ -6071,7 +6200,7 @@
           <a:blip r:embed="rId18">
             <a:extLst>
               <a:ext uri="{96DAC541-7B7A-43D3-8B79-37D633B846F1}">
-                <asvg:svgBlip xmlns="" xmlns:asvg="http://schemas.microsoft.com/office/drawing/2016/SVG/main" r:embed="rId19"/>
+                <asvg:svgBlip xmlns:asvg="http://schemas.microsoft.com/office/drawing/2016/SVG/main" xmlns="" r:embed="rId19"/>
               </a:ext>
             </a:extLst>
           </a:blip>
@@ -6081,7 +6210,7 @@
         </p:blipFill>
         <p:spPr>
           <a:xfrm>
-            <a:off x="4488255" y="914400"/>
+            <a:off x="3650055" y="914400"/>
             <a:ext cx="469900" cy="469900"/>
           </a:xfrm>
           <a:prstGeom prst="rect">
@@ -6089,88 +6218,12 @@
           </a:prstGeom>
         </p:spPr>
       </p:pic>
-      <p:sp>
-        <p:nvSpPr>
-          <p:cNvPr id="77" name="TextBox 76">
-            <a:extLst>
-              <a:ext uri="{FF2B5EF4-FFF2-40B4-BE49-F238E27FC236}">
-                <a16:creationId xmlns:a16="http://schemas.microsoft.com/office/drawing/2014/main" id="{4722BC20-320C-4D7A-A14F-078F906B6A29}"/>
-              </a:ext>
-            </a:extLst>
-          </p:cNvPr>
-          <p:cNvSpPr txBox="1"/>
-          <p:nvPr/>
-        </p:nvSpPr>
-        <p:spPr>
-          <a:xfrm>
-            <a:off x="7716930" y="3285485"/>
-            <a:ext cx="2301904" cy="246221"/>
-          </a:xfrm>
-          <a:prstGeom prst="rect">
-            <a:avLst/>
-          </a:prstGeom>
-          <a:noFill/>
-        </p:spPr>
-        <p:txBody>
-          <a:bodyPr wrap="square" rtlCol="0">
-            <a:spAutoFit/>
-          </a:bodyPr>
-          <a:lstStyle/>
-          <a:p>
-            <a:pPr algn="ctr"/>
-            <a:r>
-              <a:rPr lang="en-US" sz="1000" dirty="0"/>
-              <a:t>AWS Secrets Manager</a:t>
-            </a:r>
-          </a:p>
-        </p:txBody>
-      </p:sp>
-      <p:sp>
-        <p:nvSpPr>
-          <p:cNvPr id="78" name="TextBox 77">
-            <a:extLst>
-              <a:ext uri="{FF2B5EF4-FFF2-40B4-BE49-F238E27FC236}">
-                <a16:creationId xmlns:a16="http://schemas.microsoft.com/office/drawing/2014/main" id="{0D9C9ED7-4BA4-4A52-A859-CD9FFE710D26}"/>
-              </a:ext>
-            </a:extLst>
-          </p:cNvPr>
-          <p:cNvSpPr txBox="1"/>
-          <p:nvPr/>
-        </p:nvSpPr>
-        <p:spPr>
-          <a:xfrm>
-            <a:off x="8269361" y="4219772"/>
-            <a:ext cx="1202522" cy="246221"/>
-          </a:xfrm>
-          <a:prstGeom prst="rect">
-            <a:avLst/>
-          </a:prstGeom>
-          <a:noFill/>
-        </p:spPr>
-        <p:txBody>
-          <a:bodyPr wrap="square" rtlCol="0">
-            <a:spAutoFit/>
-          </a:bodyPr>
-          <a:lstStyle/>
-          <a:p>
-            <a:pPr algn="ctr"/>
-            <a:r>
-              <a:rPr lang="en-US" sz="1000" dirty="0">
-                <a:latin typeface="Amazon Ember" panose="020B0603020204020204" pitchFamily="34" charset="0"/>
-                <a:ea typeface="Amazon Ember" panose="020B0603020204020204" pitchFamily="34" charset="0"/>
-                <a:cs typeface="Amazon Ember" panose="020B0603020204020204" pitchFamily="34" charset="0"/>
-              </a:rPr>
-              <a:t>Parameter Store</a:t>
-            </a:r>
-          </a:p>
-        </p:txBody>
-      </p:sp>
       <p:pic>
         <p:nvPicPr>
-          <p:cNvPr id="79" name="Graphic 67">
-            <a:extLst>
-              <a:ext uri="{FF2B5EF4-FFF2-40B4-BE49-F238E27FC236}">
-                <a16:creationId xmlns:a16="http://schemas.microsoft.com/office/drawing/2014/main" id="{A7424224-B5A8-40A2-AAC6-7A1B95481AC7}"/>
+          <p:cNvPr id="54" name="Graphic 43">
+            <a:extLst>
+              <a:ext uri="{FF2B5EF4-FFF2-40B4-BE49-F238E27FC236}">
+                <a16:creationId xmlns:a16="http://schemas.microsoft.com/office/drawing/2014/main" id="{AA07898E-3D66-5446-8B50-9BAB110FEFDB}"/>
               </a:ext>
             </a:extLst>
           </p:cNvPr>
@@ -6182,8 +6235,17 @@
         <p:blipFill>
           <a:blip r:embed="rId20">
             <a:extLst>
+              <a:ext uri="{BEBA8EAE-BF5A-486C-A8C5-ECC9F3942E4B}">
+                <a14:imgProps xmlns:a14="http://schemas.microsoft.com/office/drawing/2010/main">
+                  <a14:imgLayer r:embed="rId21">
+                    <a14:imgEffect>
+                      <a14:artisticPhotocopy/>
+                    </a14:imgEffect>
+                  </a14:imgLayer>
+                </a14:imgProps>
+              </a:ext>
               <a:ext uri="{96DAC541-7B7A-43D3-8B79-37D633B846F1}">
-                <asvg:svgBlip xmlns="" xmlns:asvg="http://schemas.microsoft.com/office/drawing/2016/SVG/main" r:embed="rId25"/>
+                <asvg:svgBlip xmlns:asvg="http://schemas.microsoft.com/office/drawing/2016/SVG/main" xmlns="" r:embed="rId32"/>
               </a:ext>
             </a:extLst>
           </a:blip>
@@ -6193,7 +6255,7 @@
         </p:blipFill>
         <p:spPr>
           <a:xfrm>
-            <a:off x="8638704" y="3733343"/>
+            <a:off x="4940300" y="2094808"/>
             <a:ext cx="469900" cy="469900"/>
           </a:xfrm>
           <a:prstGeom prst="rect">
@@ -6201,9 +6263,45 @@
           </a:prstGeom>
         </p:spPr>
       </p:pic>
+      <p:sp>
+        <p:nvSpPr>
+          <p:cNvPr id="39" name="TextBox 38">
+            <a:extLst>
+              <a:ext uri="{FF2B5EF4-FFF2-40B4-BE49-F238E27FC236}">
+                <a16:creationId xmlns:a16="http://schemas.microsoft.com/office/drawing/2014/main" id="{4722BC20-320C-4D7A-A14F-078F906B6A29}"/>
+              </a:ext>
+            </a:extLst>
+          </p:cNvPr>
+          <p:cNvSpPr txBox="1"/>
+          <p:nvPr/>
+        </p:nvSpPr>
+        <p:spPr>
+          <a:xfrm>
+            <a:off x="6613496" y="2599685"/>
+            <a:ext cx="2301904" cy="246221"/>
+          </a:xfrm>
+          <a:prstGeom prst="rect">
+            <a:avLst/>
+          </a:prstGeom>
+          <a:noFill/>
+        </p:spPr>
+        <p:txBody>
+          <a:bodyPr wrap="square" rtlCol="0">
+            <a:spAutoFit/>
+          </a:bodyPr>
+          <a:lstStyle/>
+          <a:p>
+            <a:pPr algn="ctr"/>
+            <a:r>
+              <a:rPr lang="en-US" sz="1000" dirty="0"/>
+              <a:t>AWS Secrets Manager</a:t>
+            </a:r>
+          </a:p>
+        </p:txBody>
+      </p:sp>
       <p:pic>
         <p:nvPicPr>
-          <p:cNvPr id="82" name="Graphic 81">
+          <p:cNvPr id="41" name="Graphic 81">
             <a:extLst>
               <a:ext uri="{FF2B5EF4-FFF2-40B4-BE49-F238E27FC236}">
                 <a16:creationId xmlns:a16="http://schemas.microsoft.com/office/drawing/2014/main" id="{433A91E4-2B6F-4880-9946-495A6DFFF5D6}"/>
@@ -6216,10 +6314,10 @@
           <p:nvPr/>
         </p:nvPicPr>
         <p:blipFill>
-          <a:blip r:embed="rId26">
+          <a:blip r:embed="rId33">
             <a:extLst>
               <a:ext uri="{96DAC541-7B7A-43D3-8B79-37D633B846F1}">
-                <asvg:svgBlip xmlns="" xmlns:asvg="http://schemas.microsoft.com/office/drawing/2016/SVG/main" r:embed="rId29"/>
+                <asvg:svgBlip xmlns:asvg="http://schemas.microsoft.com/office/drawing/2016/SVG/main" xmlns="" r:embed="rId29"/>
               </a:ext>
             </a:extLst>
           </a:blip>
@@ -6229,7 +6327,7 @@
         </p:blipFill>
         <p:spPr>
           <a:xfrm>
-            <a:off x="8627190" y="2690409"/>
+            <a:off x="7523756" y="2057400"/>
             <a:ext cx="460921" cy="460921"/>
           </a:xfrm>
           <a:prstGeom prst="rect">
@@ -6239,53 +6337,1677 @@
       </p:pic>
       <p:pic>
         <p:nvPicPr>
-          <p:cNvPr id="54" name="Graphic 43">
-            <a:extLst>
-              <a:ext uri="{FF2B5EF4-FFF2-40B4-BE49-F238E27FC236}">
-                <a16:creationId xmlns:a16="http://schemas.microsoft.com/office/drawing/2014/main" id="{AA07898E-3D66-5446-8B50-9BAB110FEFDB}"/>
+          <p:cNvPr id="42" name="Graphic 15">
+            <a:extLst>
+              <a:ext uri="{FF2B5EF4-FFF2-40B4-BE49-F238E27FC236}">
+                <a16:creationId xmlns:a16="http://schemas.microsoft.com/office/drawing/2014/main" id="{3A010F8A-DF9B-CA43-8D41-3A122544E272}"/>
               </a:ext>
             </a:extLst>
           </p:cNvPr>
           <p:cNvPicPr>
-            <a:picLocks noChangeAspect="1"/>
+            <a:picLocks noChangeAspect="1" noChangeArrowheads="1"/>
           </p:cNvPicPr>
           <p:nvPr/>
         </p:nvPicPr>
         <p:blipFill>
-          <a:blip r:embed="rId30">
-            <a:extLst>
-              <a:ext uri="{BEBA8EAE-BF5A-486C-A8C5-ECC9F3942E4B}">
-                <a14:imgProps xmlns:a14="http://schemas.microsoft.com/office/drawing/2010/main">
-                  <a14:imgLayer r:embed="rId31">
-                    <a14:imgEffect>
-                      <a14:artisticPhotocopy/>
-                    </a14:imgEffect>
-                  </a14:imgLayer>
-                </a14:imgProps>
-              </a:ext>
-              <a:ext uri="{96DAC541-7B7A-43D3-8B79-37D633B846F1}">
-                <asvg:svgBlip xmlns="" xmlns:asvg="http://schemas.microsoft.com/office/drawing/2016/SVG/main" r:embed="rId32"/>
+          <a:blip r:embed="rId34" cstate="print">
+            <a:extLst>
+              <a:ext uri="{28A0092B-C50C-407E-A947-70E740481C1C}">
+                <a14:useLocalDpi xmlns:a14="http://schemas.microsoft.com/office/drawing/2010/main" val="0"/>
               </a:ext>
             </a:extLst>
           </a:blip>
+          <a:srcRect/>
           <a:stretch>
             <a:fillRect/>
           </a:stretch>
         </p:blipFill>
-        <p:spPr>
-          <a:xfrm>
-            <a:off x="5626100" y="2094808"/>
-            <a:ext cx="469900" cy="469900"/>
-          </a:xfrm>
-          <a:prstGeom prst="rect">
-            <a:avLst/>
-          </a:prstGeom>
+        <p:spPr bwMode="auto">
+          <a:xfrm>
+            <a:off x="7485820" y="838200"/>
+            <a:ext cx="457200" cy="457200"/>
+          </a:xfrm>
+          <a:prstGeom prst="rect">
+            <a:avLst/>
+          </a:prstGeom>
+          <a:noFill/>
+          <a:ln>
+            <a:noFill/>
+          </a:ln>
+          <a:extLst>
+            <a:ext uri="{909E8E84-426E-40DD-AFC4-6F175D3DCCD1}">
+              <a14:hiddenFill xmlns:a14="http://schemas.microsoft.com/office/drawing/2010/main">
+                <a:solidFill>
+                  <a:srgbClr val="FFFFFF"/>
+                </a:solidFill>
+              </a14:hiddenFill>
+            </a:ext>
+            <a:ext uri="{91240B29-F687-4F45-9708-019B960494DF}">
+              <a14:hiddenLine xmlns:a14="http://schemas.microsoft.com/office/drawing/2010/main" w="9525">
+                <a:solidFill>
+                  <a:srgbClr val="000000"/>
+                </a:solidFill>
+                <a:miter lim="800000"/>
+                <a:headEnd/>
+                <a:tailEnd/>
+              </a14:hiddenLine>
+            </a:ext>
+          </a:extLst>
         </p:spPr>
       </p:pic>
+      <p:sp>
+        <p:nvSpPr>
+          <p:cNvPr id="45" name="TextBox 11">
+            <a:extLst>
+              <a:ext uri="{FF2B5EF4-FFF2-40B4-BE49-F238E27FC236}">
+                <a16:creationId xmlns:a16="http://schemas.microsoft.com/office/drawing/2014/main" id="{EE7EF599-CC93-1843-94CE-F010641A8D23}"/>
+              </a:ext>
+            </a:extLst>
+          </p:cNvPr>
+          <p:cNvSpPr txBox="1">
+            <a:spLocks noChangeArrowheads="1"/>
+          </p:cNvSpPr>
+          <p:nvPr/>
+        </p:nvSpPr>
+        <p:spPr bwMode="auto">
+          <a:xfrm>
+            <a:off x="6603727" y="1371600"/>
+            <a:ext cx="2292350" cy="246221"/>
+          </a:xfrm>
+          <a:prstGeom prst="rect">
+            <a:avLst/>
+          </a:prstGeom>
+          <a:noFill/>
+          <a:ln>
+            <a:noFill/>
+          </a:ln>
+          <a:extLst>
+            <a:ext uri="{909E8E84-426E-40DD-AFC4-6F175D3DCCD1}">
+              <a14:hiddenFill xmlns:a14="http://schemas.microsoft.com/office/drawing/2010/main">
+                <a:solidFill>
+                  <a:srgbClr val="FFFFFF"/>
+                </a:solidFill>
+              </a14:hiddenFill>
+            </a:ext>
+            <a:ext uri="{91240B29-F687-4F45-9708-019B960494DF}">
+              <a14:hiddenLine xmlns:a14="http://schemas.microsoft.com/office/drawing/2010/main" w="9525">
+                <a:solidFill>
+                  <a:srgbClr val="000000"/>
+                </a:solidFill>
+                <a:miter lim="800000"/>
+                <a:headEnd/>
+                <a:tailEnd/>
+              </a14:hiddenLine>
+            </a:ext>
+          </a:extLst>
+        </p:spPr>
+        <p:txBody>
+          <a:bodyPr>
+            <a:spAutoFit/>
+          </a:bodyPr>
+          <a:lstStyle>
+            <a:lvl1pPr>
+              <a:defRPr>
+                <a:solidFill>
+                  <a:schemeClr val="tx1"/>
+                </a:solidFill>
+                <a:latin typeface="Calibri" panose="020F0502020204030204" pitchFamily="34" charset="0"/>
+              </a:defRPr>
+            </a:lvl1pPr>
+            <a:lvl2pPr marL="742950" indent="-285750">
+              <a:defRPr>
+                <a:solidFill>
+                  <a:schemeClr val="tx1"/>
+                </a:solidFill>
+                <a:latin typeface="Calibri" panose="020F0502020204030204" pitchFamily="34" charset="0"/>
+              </a:defRPr>
+            </a:lvl2pPr>
+            <a:lvl3pPr marL="1143000" indent="-228600">
+              <a:defRPr>
+                <a:solidFill>
+                  <a:schemeClr val="tx1"/>
+                </a:solidFill>
+                <a:latin typeface="Calibri" panose="020F0502020204030204" pitchFamily="34" charset="0"/>
+              </a:defRPr>
+            </a:lvl3pPr>
+            <a:lvl4pPr marL="1600200" indent="-228600">
+              <a:defRPr>
+                <a:solidFill>
+                  <a:schemeClr val="tx1"/>
+                </a:solidFill>
+                <a:latin typeface="Calibri" panose="020F0502020204030204" pitchFamily="34" charset="0"/>
+              </a:defRPr>
+            </a:lvl4pPr>
+            <a:lvl5pPr marL="2057400" indent="-228600">
+              <a:defRPr>
+                <a:solidFill>
+                  <a:schemeClr val="tx1"/>
+                </a:solidFill>
+                <a:latin typeface="Calibri" panose="020F0502020204030204" pitchFamily="34" charset="0"/>
+              </a:defRPr>
+            </a:lvl5pPr>
+            <a:lvl6pPr marL="2514600" indent="-228600" eaLnBrk="0" fontAlgn="base" hangingPunct="0">
+              <a:spcBef>
+                <a:spcPct val="0"/>
+              </a:spcBef>
+              <a:spcAft>
+                <a:spcPct val="0"/>
+              </a:spcAft>
+              <a:defRPr>
+                <a:solidFill>
+                  <a:schemeClr val="tx1"/>
+                </a:solidFill>
+                <a:latin typeface="Calibri" panose="020F0502020204030204" pitchFamily="34" charset="0"/>
+              </a:defRPr>
+            </a:lvl6pPr>
+            <a:lvl7pPr marL="2971800" indent="-228600" eaLnBrk="0" fontAlgn="base" hangingPunct="0">
+              <a:spcBef>
+                <a:spcPct val="0"/>
+              </a:spcBef>
+              <a:spcAft>
+                <a:spcPct val="0"/>
+              </a:spcAft>
+              <a:defRPr>
+                <a:solidFill>
+                  <a:schemeClr val="tx1"/>
+                </a:solidFill>
+                <a:latin typeface="Calibri" panose="020F0502020204030204" pitchFamily="34" charset="0"/>
+              </a:defRPr>
+            </a:lvl7pPr>
+            <a:lvl8pPr marL="3429000" indent="-228600" eaLnBrk="0" fontAlgn="base" hangingPunct="0">
+              <a:spcBef>
+                <a:spcPct val="0"/>
+              </a:spcBef>
+              <a:spcAft>
+                <a:spcPct val="0"/>
+              </a:spcAft>
+              <a:defRPr>
+                <a:solidFill>
+                  <a:schemeClr val="tx1"/>
+                </a:solidFill>
+                <a:latin typeface="Calibri" panose="020F0502020204030204" pitchFamily="34" charset="0"/>
+              </a:defRPr>
+            </a:lvl8pPr>
+            <a:lvl9pPr marL="3886200" indent="-228600" eaLnBrk="0" fontAlgn="base" hangingPunct="0">
+              <a:spcBef>
+                <a:spcPct val="0"/>
+              </a:spcBef>
+              <a:spcAft>
+                <a:spcPct val="0"/>
+              </a:spcAft>
+              <a:defRPr>
+                <a:solidFill>
+                  <a:schemeClr val="tx1"/>
+                </a:solidFill>
+                <a:latin typeface="Calibri" panose="020F0502020204030204" pitchFamily="34" charset="0"/>
+              </a:defRPr>
+            </a:lvl9pPr>
+          </a:lstStyle>
+          <a:p>
+            <a:pPr algn="ctr" eaLnBrk="1" hangingPunct="1"/>
+            <a:r>
+              <a:rPr lang="en-US" altLang="en-US" sz="1000" dirty="0">
+                <a:latin typeface="+mn-lt"/>
+                <a:ea typeface="Amazon Ember" panose="020B0603020204020204" pitchFamily="34" charset="0"/>
+                <a:cs typeface="Arial" panose="020B0604020202020204" pitchFamily="34" charset="0"/>
+              </a:rPr>
+              <a:t>AWS Systems Manager</a:t>
+            </a:r>
+          </a:p>
+        </p:txBody>
+      </p:sp>
+      <p:sp>
+        <p:nvSpPr>
+          <p:cNvPr id="46" name="TextBox 15">
+            <a:extLst>
+              <a:ext uri="{FF2B5EF4-FFF2-40B4-BE49-F238E27FC236}">
+                <a16:creationId xmlns:a16="http://schemas.microsoft.com/office/drawing/2014/main" id="{A1EC7FE7-47E3-744C-89C1-64032FB9FFF4}"/>
+              </a:ext>
+            </a:extLst>
+          </p:cNvPr>
+          <p:cNvSpPr txBox="1">
+            <a:spLocks noChangeArrowheads="1"/>
+          </p:cNvSpPr>
+          <p:nvPr/>
+        </p:nvSpPr>
+        <p:spPr bwMode="auto">
+          <a:xfrm>
+            <a:off x="7696200" y="3319790"/>
+            <a:ext cx="1342852" cy="246221"/>
+          </a:xfrm>
+          <a:prstGeom prst="rect">
+            <a:avLst/>
+          </a:prstGeom>
+          <a:noFill/>
+          <a:ln>
+            <a:noFill/>
+          </a:ln>
+          <a:extLst>
+            <a:ext uri="{909E8E84-426E-40DD-AFC4-6F175D3DCCD1}">
+              <a14:hiddenFill xmlns:a14="http://schemas.microsoft.com/office/drawing/2010/main">
+                <a:solidFill>
+                  <a:srgbClr val="FFFFFF"/>
+                </a:solidFill>
+              </a14:hiddenFill>
+            </a:ext>
+            <a:ext uri="{91240B29-F687-4F45-9708-019B960494DF}">
+              <a14:hiddenLine xmlns:a14="http://schemas.microsoft.com/office/drawing/2010/main" w="9525">
+                <a:solidFill>
+                  <a:srgbClr val="000000"/>
+                </a:solidFill>
+                <a:miter lim="800000"/>
+                <a:headEnd/>
+                <a:tailEnd/>
+              </a14:hiddenLine>
+            </a:ext>
+          </a:extLst>
+        </p:spPr>
+        <p:txBody>
+          <a:bodyPr wrap="square">
+            <a:spAutoFit/>
+          </a:bodyPr>
+          <a:lstStyle>
+            <a:lvl1pPr>
+              <a:defRPr>
+                <a:solidFill>
+                  <a:schemeClr val="tx1"/>
+                </a:solidFill>
+                <a:latin typeface="Calibri" panose="020F0502020204030204" pitchFamily="34" charset="0"/>
+              </a:defRPr>
+            </a:lvl1pPr>
+            <a:lvl2pPr marL="742950" indent="-285750">
+              <a:defRPr>
+                <a:solidFill>
+                  <a:schemeClr val="tx1"/>
+                </a:solidFill>
+                <a:latin typeface="Calibri" panose="020F0502020204030204" pitchFamily="34" charset="0"/>
+              </a:defRPr>
+            </a:lvl2pPr>
+            <a:lvl3pPr marL="1143000" indent="-228600">
+              <a:defRPr>
+                <a:solidFill>
+                  <a:schemeClr val="tx1"/>
+                </a:solidFill>
+                <a:latin typeface="Calibri" panose="020F0502020204030204" pitchFamily="34" charset="0"/>
+              </a:defRPr>
+            </a:lvl3pPr>
+            <a:lvl4pPr marL="1600200" indent="-228600">
+              <a:defRPr>
+                <a:solidFill>
+                  <a:schemeClr val="tx1"/>
+                </a:solidFill>
+                <a:latin typeface="Calibri" panose="020F0502020204030204" pitchFamily="34" charset="0"/>
+              </a:defRPr>
+            </a:lvl4pPr>
+            <a:lvl5pPr marL="2057400" indent="-228600">
+              <a:defRPr>
+                <a:solidFill>
+                  <a:schemeClr val="tx1"/>
+                </a:solidFill>
+                <a:latin typeface="Calibri" panose="020F0502020204030204" pitchFamily="34" charset="0"/>
+              </a:defRPr>
+            </a:lvl5pPr>
+            <a:lvl6pPr marL="2514600" indent="-228600" eaLnBrk="0" fontAlgn="base" hangingPunct="0">
+              <a:spcBef>
+                <a:spcPct val="0"/>
+              </a:spcBef>
+              <a:spcAft>
+                <a:spcPct val="0"/>
+              </a:spcAft>
+              <a:defRPr>
+                <a:solidFill>
+                  <a:schemeClr val="tx1"/>
+                </a:solidFill>
+                <a:latin typeface="Calibri" panose="020F0502020204030204" pitchFamily="34" charset="0"/>
+              </a:defRPr>
+            </a:lvl6pPr>
+            <a:lvl7pPr marL="2971800" indent="-228600" eaLnBrk="0" fontAlgn="base" hangingPunct="0">
+              <a:spcBef>
+                <a:spcPct val="0"/>
+              </a:spcBef>
+              <a:spcAft>
+                <a:spcPct val="0"/>
+              </a:spcAft>
+              <a:defRPr>
+                <a:solidFill>
+                  <a:schemeClr val="tx1"/>
+                </a:solidFill>
+                <a:latin typeface="Calibri" panose="020F0502020204030204" pitchFamily="34" charset="0"/>
+              </a:defRPr>
+            </a:lvl7pPr>
+            <a:lvl8pPr marL="3429000" indent="-228600" eaLnBrk="0" fontAlgn="base" hangingPunct="0">
+              <a:spcBef>
+                <a:spcPct val="0"/>
+              </a:spcBef>
+              <a:spcAft>
+                <a:spcPct val="0"/>
+              </a:spcAft>
+              <a:defRPr>
+                <a:solidFill>
+                  <a:schemeClr val="tx1"/>
+                </a:solidFill>
+                <a:latin typeface="Calibri" panose="020F0502020204030204" pitchFamily="34" charset="0"/>
+              </a:defRPr>
+            </a:lvl8pPr>
+            <a:lvl9pPr marL="3886200" indent="-228600" eaLnBrk="0" fontAlgn="base" hangingPunct="0">
+              <a:spcBef>
+                <a:spcPct val="0"/>
+              </a:spcBef>
+              <a:spcAft>
+                <a:spcPct val="0"/>
+              </a:spcAft>
+              <a:defRPr>
+                <a:solidFill>
+                  <a:schemeClr val="tx1"/>
+                </a:solidFill>
+                <a:latin typeface="Calibri" panose="020F0502020204030204" pitchFamily="34" charset="0"/>
+              </a:defRPr>
+            </a:lvl9pPr>
+          </a:lstStyle>
+          <a:p>
+            <a:pPr algn="ctr" eaLnBrk="1" hangingPunct="1"/>
+            <a:r>
+              <a:rPr lang="en-US" altLang="en-US" sz="1000" smtClean="0">
+                <a:latin typeface="+mn-lt"/>
+                <a:ea typeface="Amazon Ember" panose="020B0603020204020204" pitchFamily="34" charset="0"/>
+                <a:cs typeface="Arial" panose="020B0604020202020204" pitchFamily="34" charset="0"/>
+              </a:rPr>
+              <a:t>VPN </a:t>
+            </a:r>
+            <a:r>
+              <a:rPr lang="en-US" altLang="en-US" sz="1000" dirty="0">
+                <a:latin typeface="+mn-lt"/>
+                <a:ea typeface="Amazon Ember" panose="020B0603020204020204" pitchFamily="34" charset="0"/>
+                <a:cs typeface="Arial" panose="020B0604020202020204" pitchFamily="34" charset="0"/>
+              </a:rPr>
+              <a:t>gateway</a:t>
+            </a:r>
+          </a:p>
+        </p:txBody>
+      </p:sp>
+      <p:pic>
+        <p:nvPicPr>
+          <p:cNvPr id="51" name="Graphic 14">
+            <a:extLst>
+              <a:ext uri="{FF2B5EF4-FFF2-40B4-BE49-F238E27FC236}">
+                <a16:creationId xmlns:a16="http://schemas.microsoft.com/office/drawing/2014/main" id="{C515D72C-3F48-8947-9098-CC3212A526AE}"/>
+              </a:ext>
+            </a:extLst>
+          </p:cNvPr>
+          <p:cNvPicPr>
+            <a:picLocks noChangeAspect="1" noChangeArrowheads="1"/>
+          </p:cNvPicPr>
+          <p:nvPr/>
+        </p:nvPicPr>
+        <p:blipFill>
+          <a:blip r:embed="rId35" cstate="print">
+            <a:extLst>
+              <a:ext uri="{28A0092B-C50C-407E-A947-70E740481C1C}">
+                <a14:useLocalDpi xmlns:a14="http://schemas.microsoft.com/office/drawing/2010/main" val="0"/>
+              </a:ext>
+            </a:extLst>
+          </a:blip>
+          <a:srcRect/>
+          <a:stretch>
+            <a:fillRect/>
+          </a:stretch>
+        </p:blipFill>
+        <p:spPr bwMode="auto">
+          <a:xfrm>
+            <a:off x="8153400" y="2862590"/>
+            <a:ext cx="457200" cy="457200"/>
+          </a:xfrm>
+          <a:prstGeom prst="rect">
+            <a:avLst/>
+          </a:prstGeom>
+          <a:noFill/>
+          <a:ln>
+            <a:noFill/>
+          </a:ln>
+          <a:extLst>
+            <a:ext uri="{909E8E84-426E-40DD-AFC4-6F175D3DCCD1}">
+              <a14:hiddenFill xmlns:a14="http://schemas.microsoft.com/office/drawing/2010/main">
+                <a:solidFill>
+                  <a:srgbClr val="FFFFFF"/>
+                </a:solidFill>
+              </a14:hiddenFill>
+            </a:ext>
+            <a:ext uri="{91240B29-F687-4F45-9708-019B960494DF}">
+              <a14:hiddenLine xmlns:a14="http://schemas.microsoft.com/office/drawing/2010/main" w="9525">
+                <a:solidFill>
+                  <a:srgbClr val="000000"/>
+                </a:solidFill>
+                <a:miter lim="800000"/>
+                <a:headEnd/>
+                <a:tailEnd/>
+              </a14:hiddenLine>
+            </a:ext>
+          </a:extLst>
+        </p:spPr>
+      </p:pic>
+      <p:sp>
+        <p:nvSpPr>
+          <p:cNvPr id="52" name="TextBox 19">
+            <a:extLst>
+              <a:ext uri="{FF2B5EF4-FFF2-40B4-BE49-F238E27FC236}">
+                <a16:creationId xmlns:a16="http://schemas.microsoft.com/office/drawing/2014/main" id="{76715948-14ED-B148-A80E-396EC259A597}"/>
+              </a:ext>
+            </a:extLst>
+          </p:cNvPr>
+          <p:cNvSpPr txBox="1">
+            <a:spLocks noChangeArrowheads="1"/>
+          </p:cNvSpPr>
+          <p:nvPr/>
+        </p:nvSpPr>
+        <p:spPr bwMode="auto">
+          <a:xfrm>
+            <a:off x="8534400" y="3335179"/>
+            <a:ext cx="1511300" cy="246221"/>
+          </a:xfrm>
+          <a:prstGeom prst="rect">
+            <a:avLst/>
+          </a:prstGeom>
+          <a:noFill/>
+          <a:ln>
+            <a:noFill/>
+          </a:ln>
+          <a:extLst>
+            <a:ext uri="{909E8E84-426E-40DD-AFC4-6F175D3DCCD1}">
+              <a14:hiddenFill xmlns:a14="http://schemas.microsoft.com/office/drawing/2010/main">
+                <a:solidFill>
+                  <a:srgbClr val="FFFFFF"/>
+                </a:solidFill>
+              </a14:hiddenFill>
+            </a:ext>
+            <a:ext uri="{91240B29-F687-4F45-9708-019B960494DF}">
+              <a14:hiddenLine xmlns:a14="http://schemas.microsoft.com/office/drawing/2010/main" w="9525">
+                <a:solidFill>
+                  <a:srgbClr val="000000"/>
+                </a:solidFill>
+                <a:miter lim="800000"/>
+                <a:headEnd/>
+                <a:tailEnd/>
+              </a14:hiddenLine>
+            </a:ext>
+          </a:extLst>
+        </p:spPr>
+        <p:txBody>
+          <a:bodyPr>
+            <a:spAutoFit/>
+          </a:bodyPr>
+          <a:lstStyle>
+            <a:lvl1pPr>
+              <a:defRPr>
+                <a:solidFill>
+                  <a:schemeClr val="tx1"/>
+                </a:solidFill>
+                <a:latin typeface="Calibri" panose="020F0502020204030204" pitchFamily="34" charset="0"/>
+              </a:defRPr>
+            </a:lvl1pPr>
+            <a:lvl2pPr marL="742950" indent="-285750">
+              <a:defRPr>
+                <a:solidFill>
+                  <a:schemeClr val="tx1"/>
+                </a:solidFill>
+                <a:latin typeface="Calibri" panose="020F0502020204030204" pitchFamily="34" charset="0"/>
+              </a:defRPr>
+            </a:lvl2pPr>
+            <a:lvl3pPr marL="1143000" indent="-228600">
+              <a:defRPr>
+                <a:solidFill>
+                  <a:schemeClr val="tx1"/>
+                </a:solidFill>
+                <a:latin typeface="Calibri" panose="020F0502020204030204" pitchFamily="34" charset="0"/>
+              </a:defRPr>
+            </a:lvl3pPr>
+            <a:lvl4pPr marL="1600200" indent="-228600">
+              <a:defRPr>
+                <a:solidFill>
+                  <a:schemeClr val="tx1"/>
+                </a:solidFill>
+                <a:latin typeface="Calibri" panose="020F0502020204030204" pitchFamily="34" charset="0"/>
+              </a:defRPr>
+            </a:lvl4pPr>
+            <a:lvl5pPr marL="2057400" indent="-228600">
+              <a:defRPr>
+                <a:solidFill>
+                  <a:schemeClr val="tx1"/>
+                </a:solidFill>
+                <a:latin typeface="Calibri" panose="020F0502020204030204" pitchFamily="34" charset="0"/>
+              </a:defRPr>
+            </a:lvl5pPr>
+            <a:lvl6pPr marL="2514600" indent="-228600" eaLnBrk="0" fontAlgn="base" hangingPunct="0">
+              <a:spcBef>
+                <a:spcPct val="0"/>
+              </a:spcBef>
+              <a:spcAft>
+                <a:spcPct val="0"/>
+              </a:spcAft>
+              <a:defRPr>
+                <a:solidFill>
+                  <a:schemeClr val="tx1"/>
+                </a:solidFill>
+                <a:latin typeface="Calibri" panose="020F0502020204030204" pitchFamily="34" charset="0"/>
+              </a:defRPr>
+            </a:lvl6pPr>
+            <a:lvl7pPr marL="2971800" indent="-228600" eaLnBrk="0" fontAlgn="base" hangingPunct="0">
+              <a:spcBef>
+                <a:spcPct val="0"/>
+              </a:spcBef>
+              <a:spcAft>
+                <a:spcPct val="0"/>
+              </a:spcAft>
+              <a:defRPr>
+                <a:solidFill>
+                  <a:schemeClr val="tx1"/>
+                </a:solidFill>
+                <a:latin typeface="Calibri" panose="020F0502020204030204" pitchFamily="34" charset="0"/>
+              </a:defRPr>
+            </a:lvl7pPr>
+            <a:lvl8pPr marL="3429000" indent="-228600" eaLnBrk="0" fontAlgn="base" hangingPunct="0">
+              <a:spcBef>
+                <a:spcPct val="0"/>
+              </a:spcBef>
+              <a:spcAft>
+                <a:spcPct val="0"/>
+              </a:spcAft>
+              <a:defRPr>
+                <a:solidFill>
+                  <a:schemeClr val="tx1"/>
+                </a:solidFill>
+                <a:latin typeface="Calibri" panose="020F0502020204030204" pitchFamily="34" charset="0"/>
+              </a:defRPr>
+            </a:lvl8pPr>
+            <a:lvl9pPr marL="3886200" indent="-228600" eaLnBrk="0" fontAlgn="base" hangingPunct="0">
+              <a:spcBef>
+                <a:spcPct val="0"/>
+              </a:spcBef>
+              <a:spcAft>
+                <a:spcPct val="0"/>
+              </a:spcAft>
+              <a:defRPr>
+                <a:solidFill>
+                  <a:schemeClr val="tx1"/>
+                </a:solidFill>
+                <a:latin typeface="Calibri" panose="020F0502020204030204" pitchFamily="34" charset="0"/>
+              </a:defRPr>
+            </a:lvl9pPr>
+          </a:lstStyle>
+          <a:p>
+            <a:pPr algn="ctr" eaLnBrk="1" hangingPunct="1"/>
+            <a:r>
+              <a:rPr lang="en-US" altLang="en-US" sz="1000" dirty="0">
+                <a:latin typeface="+mn-lt"/>
+                <a:ea typeface="Amazon Ember" panose="020B0603020204020204" pitchFamily="34" charset="0"/>
+                <a:cs typeface="Arial" panose="020B0604020202020204" pitchFamily="34" charset="0"/>
+              </a:rPr>
+              <a:t>VPN connection</a:t>
+            </a:r>
+          </a:p>
+        </p:txBody>
+      </p:sp>
+      <p:pic>
+        <p:nvPicPr>
+          <p:cNvPr id="53" name="Graphic 43">
+            <a:extLst>
+              <a:ext uri="{FF2B5EF4-FFF2-40B4-BE49-F238E27FC236}">
+                <a16:creationId xmlns:a16="http://schemas.microsoft.com/office/drawing/2014/main" id="{2BF3A7A7-CA9E-AF4B-93B0-15397692B062}"/>
+              </a:ext>
+            </a:extLst>
+          </p:cNvPr>
+          <p:cNvPicPr>
+            <a:picLocks noChangeAspect="1" noChangeArrowheads="1"/>
+          </p:cNvPicPr>
+          <p:nvPr/>
+        </p:nvPicPr>
+        <p:blipFill>
+          <a:blip r:embed="rId36" cstate="print">
+            <a:extLst>
+              <a:ext uri="{28A0092B-C50C-407E-A947-70E740481C1C}">
+                <a14:useLocalDpi xmlns:a14="http://schemas.microsoft.com/office/drawing/2010/main" val="0"/>
+              </a:ext>
+            </a:extLst>
+          </a:blip>
+          <a:srcRect/>
+          <a:stretch>
+            <a:fillRect/>
+          </a:stretch>
+        </p:blipFill>
+        <p:spPr bwMode="auto">
+          <a:xfrm>
+            <a:off x="9061450" y="2871629"/>
+            <a:ext cx="457200" cy="457200"/>
+          </a:xfrm>
+          <a:prstGeom prst="rect">
+            <a:avLst/>
+          </a:prstGeom>
+          <a:noFill/>
+          <a:ln>
+            <a:noFill/>
+          </a:ln>
+          <a:extLst>
+            <a:ext uri="{909E8E84-426E-40DD-AFC4-6F175D3DCCD1}">
+              <a14:hiddenFill xmlns:a14="http://schemas.microsoft.com/office/drawing/2010/main">
+                <a:solidFill>
+                  <a:srgbClr val="FFFFFF"/>
+                </a:solidFill>
+              </a14:hiddenFill>
+            </a:ext>
+            <a:ext uri="{91240B29-F687-4F45-9708-019B960494DF}">
+              <a14:hiddenLine xmlns:a14="http://schemas.microsoft.com/office/drawing/2010/main" w="9525">
+                <a:solidFill>
+                  <a:srgbClr val="000000"/>
+                </a:solidFill>
+                <a:miter lim="800000"/>
+                <a:headEnd/>
+                <a:tailEnd/>
+              </a14:hiddenLine>
+            </a:ext>
+          </a:extLst>
+        </p:spPr>
+      </p:pic>
+      <p:sp>
+        <p:nvSpPr>
+          <p:cNvPr id="55" name="TextBox 11">
+            <a:extLst>
+              <a:ext uri="{FF2B5EF4-FFF2-40B4-BE49-F238E27FC236}">
+                <a16:creationId xmlns:a16="http://schemas.microsoft.com/office/drawing/2014/main" id="{A0C55ED5-5FA3-F04C-833E-3AE92E7F9BA4}"/>
+              </a:ext>
+            </a:extLst>
+          </p:cNvPr>
+          <p:cNvSpPr txBox="1">
+            <a:spLocks noChangeArrowheads="1"/>
+          </p:cNvSpPr>
+          <p:nvPr/>
+        </p:nvSpPr>
+        <p:spPr bwMode="auto">
+          <a:xfrm>
+            <a:off x="9525000" y="3335179"/>
+            <a:ext cx="1511300" cy="246221"/>
+          </a:xfrm>
+          <a:prstGeom prst="rect">
+            <a:avLst/>
+          </a:prstGeom>
+          <a:noFill/>
+          <a:ln>
+            <a:noFill/>
+          </a:ln>
+          <a:extLst>
+            <a:ext uri="{909E8E84-426E-40DD-AFC4-6F175D3DCCD1}">
+              <a14:hiddenFill xmlns:a14="http://schemas.microsoft.com/office/drawing/2010/main">
+                <a:solidFill>
+                  <a:srgbClr val="FFFFFF"/>
+                </a:solidFill>
+              </a14:hiddenFill>
+            </a:ext>
+            <a:ext uri="{91240B29-F687-4F45-9708-019B960494DF}">
+              <a14:hiddenLine xmlns:a14="http://schemas.microsoft.com/office/drawing/2010/main" w="9525">
+                <a:solidFill>
+                  <a:srgbClr val="000000"/>
+                </a:solidFill>
+                <a:miter lim="800000"/>
+                <a:headEnd/>
+                <a:tailEnd/>
+              </a14:hiddenLine>
+            </a:ext>
+          </a:extLst>
+        </p:spPr>
+        <p:txBody>
+          <a:bodyPr>
+            <a:spAutoFit/>
+          </a:bodyPr>
+          <a:lstStyle>
+            <a:lvl1pPr>
+              <a:defRPr>
+                <a:solidFill>
+                  <a:schemeClr val="tx1"/>
+                </a:solidFill>
+                <a:latin typeface="Calibri" panose="020F0502020204030204" pitchFamily="34" charset="0"/>
+              </a:defRPr>
+            </a:lvl1pPr>
+            <a:lvl2pPr marL="742950" indent="-285750">
+              <a:defRPr>
+                <a:solidFill>
+                  <a:schemeClr val="tx1"/>
+                </a:solidFill>
+                <a:latin typeface="Calibri" panose="020F0502020204030204" pitchFamily="34" charset="0"/>
+              </a:defRPr>
+            </a:lvl2pPr>
+            <a:lvl3pPr marL="1143000" indent="-228600">
+              <a:defRPr>
+                <a:solidFill>
+                  <a:schemeClr val="tx1"/>
+                </a:solidFill>
+                <a:latin typeface="Calibri" panose="020F0502020204030204" pitchFamily="34" charset="0"/>
+              </a:defRPr>
+            </a:lvl3pPr>
+            <a:lvl4pPr marL="1600200" indent="-228600">
+              <a:defRPr>
+                <a:solidFill>
+                  <a:schemeClr val="tx1"/>
+                </a:solidFill>
+                <a:latin typeface="Calibri" panose="020F0502020204030204" pitchFamily="34" charset="0"/>
+              </a:defRPr>
+            </a:lvl4pPr>
+            <a:lvl5pPr marL="2057400" indent="-228600">
+              <a:defRPr>
+                <a:solidFill>
+                  <a:schemeClr val="tx1"/>
+                </a:solidFill>
+                <a:latin typeface="Calibri" panose="020F0502020204030204" pitchFamily="34" charset="0"/>
+              </a:defRPr>
+            </a:lvl5pPr>
+            <a:lvl6pPr marL="2514600" indent="-228600" eaLnBrk="0" fontAlgn="base" hangingPunct="0">
+              <a:spcBef>
+                <a:spcPct val="0"/>
+              </a:spcBef>
+              <a:spcAft>
+                <a:spcPct val="0"/>
+              </a:spcAft>
+              <a:defRPr>
+                <a:solidFill>
+                  <a:schemeClr val="tx1"/>
+                </a:solidFill>
+                <a:latin typeface="Calibri" panose="020F0502020204030204" pitchFamily="34" charset="0"/>
+              </a:defRPr>
+            </a:lvl6pPr>
+            <a:lvl7pPr marL="2971800" indent="-228600" eaLnBrk="0" fontAlgn="base" hangingPunct="0">
+              <a:spcBef>
+                <a:spcPct val="0"/>
+              </a:spcBef>
+              <a:spcAft>
+                <a:spcPct val="0"/>
+              </a:spcAft>
+              <a:defRPr>
+                <a:solidFill>
+                  <a:schemeClr val="tx1"/>
+                </a:solidFill>
+                <a:latin typeface="Calibri" panose="020F0502020204030204" pitchFamily="34" charset="0"/>
+              </a:defRPr>
+            </a:lvl7pPr>
+            <a:lvl8pPr marL="3429000" indent="-228600" eaLnBrk="0" fontAlgn="base" hangingPunct="0">
+              <a:spcBef>
+                <a:spcPct val="0"/>
+              </a:spcBef>
+              <a:spcAft>
+                <a:spcPct val="0"/>
+              </a:spcAft>
+              <a:defRPr>
+                <a:solidFill>
+                  <a:schemeClr val="tx1"/>
+                </a:solidFill>
+                <a:latin typeface="Calibri" panose="020F0502020204030204" pitchFamily="34" charset="0"/>
+              </a:defRPr>
+            </a:lvl8pPr>
+            <a:lvl9pPr marL="3886200" indent="-228600" eaLnBrk="0" fontAlgn="base" hangingPunct="0">
+              <a:spcBef>
+                <a:spcPct val="0"/>
+              </a:spcBef>
+              <a:spcAft>
+                <a:spcPct val="0"/>
+              </a:spcAft>
+              <a:defRPr>
+                <a:solidFill>
+                  <a:schemeClr val="tx1"/>
+                </a:solidFill>
+                <a:latin typeface="Calibri" panose="020F0502020204030204" pitchFamily="34" charset="0"/>
+              </a:defRPr>
+            </a:lvl9pPr>
+          </a:lstStyle>
+          <a:p>
+            <a:pPr algn="ctr" eaLnBrk="1" hangingPunct="1"/>
+            <a:r>
+              <a:rPr lang="en-US" altLang="en-US" sz="1000" dirty="0">
+                <a:latin typeface="+mn-lt"/>
+                <a:ea typeface="Amazon Ember" panose="020B0603020204020204" pitchFamily="34" charset="0"/>
+                <a:cs typeface="Arial" panose="020B0604020202020204" pitchFamily="34" charset="0"/>
+              </a:rPr>
+              <a:t>Customer gateway</a:t>
+            </a:r>
+          </a:p>
+        </p:txBody>
+      </p:sp>
+      <p:pic>
+        <p:nvPicPr>
+          <p:cNvPr id="56" name="Graphic 7">
+            <a:extLst>
+              <a:ext uri="{FF2B5EF4-FFF2-40B4-BE49-F238E27FC236}">
+                <a16:creationId xmlns:a16="http://schemas.microsoft.com/office/drawing/2014/main" id="{26C0DC1E-098C-CA46-B385-73951CEA53DD}"/>
+              </a:ext>
+            </a:extLst>
+          </p:cNvPr>
+          <p:cNvPicPr>
+            <a:picLocks noChangeAspect="1" noChangeArrowheads="1"/>
+          </p:cNvPicPr>
+          <p:nvPr/>
+        </p:nvPicPr>
+        <p:blipFill>
+          <a:blip r:embed="rId37" cstate="print">
+            <a:extLst>
+              <a:ext uri="{28A0092B-C50C-407E-A947-70E740481C1C}">
+                <a14:useLocalDpi xmlns:a14="http://schemas.microsoft.com/office/drawing/2010/main" val="0"/>
+              </a:ext>
+            </a:extLst>
+          </a:blip>
+          <a:srcRect/>
+          <a:stretch>
+            <a:fillRect/>
+          </a:stretch>
+        </p:blipFill>
+        <p:spPr bwMode="auto">
+          <a:xfrm>
+            <a:off x="10052050" y="2877979"/>
+            <a:ext cx="457200" cy="457200"/>
+          </a:xfrm>
+          <a:prstGeom prst="rect">
+            <a:avLst/>
+          </a:prstGeom>
+          <a:noFill/>
+          <a:ln>
+            <a:noFill/>
+          </a:ln>
+          <a:extLst>
+            <a:ext uri="{909E8E84-426E-40DD-AFC4-6F175D3DCCD1}">
+              <a14:hiddenFill xmlns:a14="http://schemas.microsoft.com/office/drawing/2010/main">
+                <a:solidFill>
+                  <a:srgbClr val="FFFFFF"/>
+                </a:solidFill>
+              </a14:hiddenFill>
+            </a:ext>
+            <a:ext uri="{91240B29-F687-4F45-9708-019B960494DF}">
+              <a14:hiddenLine xmlns:a14="http://schemas.microsoft.com/office/drawing/2010/main" w="9525">
+                <a:solidFill>
+                  <a:srgbClr val="000000"/>
+                </a:solidFill>
+                <a:miter lim="800000"/>
+                <a:headEnd/>
+                <a:tailEnd/>
+              </a14:hiddenLine>
+            </a:ext>
+          </a:extLst>
+        </p:spPr>
+      </p:pic>
+      <p:sp>
+        <p:nvSpPr>
+          <p:cNvPr id="57" name="Rectangle 56">
+            <a:extLst>
+              <a:ext uri="{FF2B5EF4-FFF2-40B4-BE49-F238E27FC236}">
+                <a16:creationId xmlns:a16="http://schemas.microsoft.com/office/drawing/2014/main" id="{2C20A410-6A05-8049-8DF4-A7A4612F5A71}"/>
+              </a:ext>
+            </a:extLst>
+          </p:cNvPr>
+          <p:cNvSpPr/>
+          <p:nvPr/>
+        </p:nvSpPr>
+        <p:spPr>
+          <a:xfrm>
+            <a:off x="10896600" y="2057400"/>
+            <a:ext cx="1231900" cy="2667000"/>
+          </a:xfrm>
+          <a:prstGeom prst="rect">
+            <a:avLst/>
+          </a:prstGeom>
+          <a:noFill/>
+          <a:ln w="12700">
+            <a:solidFill>
+              <a:srgbClr val="5A6B86"/>
+            </a:solidFill>
+          </a:ln>
+        </p:spPr>
+        <p:style>
+          <a:lnRef idx="2">
+            <a:schemeClr val="accent1">
+              <a:shade val="50000"/>
+            </a:schemeClr>
+          </a:lnRef>
+          <a:fillRef idx="1">
+            <a:schemeClr val="accent1"/>
+          </a:fillRef>
+          <a:effectRef idx="0">
+            <a:schemeClr val="accent1"/>
+          </a:effectRef>
+          <a:fontRef idx="minor">
+            <a:schemeClr val="lt1"/>
+          </a:fontRef>
+        </p:style>
+        <p:txBody>
+          <a:bodyPr lIns="457200" tIns="91440"/>
+          <a:lstStyle/>
+          <a:p>
+            <a:pPr eaLnBrk="1" fontAlgn="auto" hangingPunct="1">
+              <a:spcBef>
+                <a:spcPts val="0"/>
+              </a:spcBef>
+              <a:spcAft>
+                <a:spcPts val="0"/>
+              </a:spcAft>
+              <a:defRPr/>
+            </a:pPr>
+            <a:r>
+              <a:rPr lang="en-US" sz="1200" smtClean="0">
+                <a:solidFill>
+                  <a:srgbClr val="5A6B86"/>
+                </a:solidFill>
+                <a:latin typeface="Arial" panose="020B0604020202020204" pitchFamily="34" charset="0"/>
+                <a:cs typeface="Arial" panose="020B0604020202020204" pitchFamily="34" charset="0"/>
+              </a:rPr>
+              <a:t>On </a:t>
+            </a:r>
+            <a:r>
+              <a:rPr lang="en-US" sz="1000" smtClean="0">
+                <a:solidFill>
+                  <a:srgbClr val="5A6B86"/>
+                </a:solidFill>
+                <a:latin typeface="Amazon Ember" panose="020B0603020204020204" pitchFamily="34" charset="0"/>
+                <a:ea typeface="Amazon Ember" panose="020B0603020204020204" pitchFamily="34" charset="0"/>
+                <a:cs typeface="Amazon Ember" panose="020B0603020204020204" pitchFamily="34" charset="0"/>
+              </a:rPr>
+              <a:t>premises</a:t>
+            </a:r>
+            <a:endParaRPr lang="en-US" sz="1000" dirty="0">
+              <a:solidFill>
+                <a:srgbClr val="5A6B86"/>
+              </a:solidFill>
+              <a:latin typeface="Amazon Ember" panose="020B0603020204020204" pitchFamily="34" charset="0"/>
+              <a:ea typeface="Amazon Ember" panose="020B0603020204020204" pitchFamily="34" charset="0"/>
+              <a:cs typeface="Amazon Ember" panose="020B0603020204020204" pitchFamily="34" charset="0"/>
+            </a:endParaRPr>
+          </a:p>
+        </p:txBody>
+      </p:sp>
+      <p:pic>
+        <p:nvPicPr>
+          <p:cNvPr id="58" name="Graphic 22">
+            <a:extLst>
+              <a:ext uri="{FF2B5EF4-FFF2-40B4-BE49-F238E27FC236}">
+                <a16:creationId xmlns:a16="http://schemas.microsoft.com/office/drawing/2014/main" id="{F9FA696D-9078-0249-8655-9184349AB877}"/>
+              </a:ext>
+            </a:extLst>
+          </p:cNvPr>
+          <p:cNvPicPr>
+            <a:picLocks noChangeAspect="1" noChangeArrowheads="1"/>
+          </p:cNvPicPr>
+          <p:nvPr/>
+        </p:nvPicPr>
+        <p:blipFill>
+          <a:blip r:embed="rId38" cstate="print">
+            <a:extLst>
+              <a:ext uri="{28A0092B-C50C-407E-A947-70E740481C1C}">
+                <a14:useLocalDpi xmlns:a14="http://schemas.microsoft.com/office/drawing/2010/main" val="0"/>
+              </a:ext>
+            </a:extLst>
+          </a:blip>
+          <a:srcRect/>
+          <a:stretch>
+            <a:fillRect/>
+          </a:stretch>
+        </p:blipFill>
+        <p:spPr bwMode="auto">
+          <a:xfrm>
+            <a:off x="10896600" y="2057400"/>
+            <a:ext cx="330200" cy="330200"/>
+          </a:xfrm>
+          <a:prstGeom prst="rect">
+            <a:avLst/>
+          </a:prstGeom>
+          <a:noFill/>
+          <a:ln>
+            <a:noFill/>
+          </a:ln>
+          <a:extLst>
+            <a:ext uri="{909E8E84-426E-40DD-AFC4-6F175D3DCCD1}">
+              <a14:hiddenFill xmlns:a14="http://schemas.microsoft.com/office/drawing/2010/main">
+                <a:solidFill>
+                  <a:srgbClr val="FFFFFF"/>
+                </a:solidFill>
+              </a14:hiddenFill>
+            </a:ext>
+            <a:ext uri="{91240B29-F687-4F45-9708-019B960494DF}">
+              <a14:hiddenLine xmlns:a14="http://schemas.microsoft.com/office/drawing/2010/main" w="9525">
+                <a:solidFill>
+                  <a:srgbClr val="000000"/>
+                </a:solidFill>
+                <a:miter lim="800000"/>
+                <a:headEnd/>
+                <a:tailEnd/>
+              </a14:hiddenLine>
+            </a:ext>
+          </a:extLst>
+        </p:spPr>
+      </p:pic>
+      <p:pic>
+        <p:nvPicPr>
+          <p:cNvPr id="2" name="Picture 1"/>
+          <p:cNvPicPr>
+            <a:picLocks noChangeAspect="1"/>
+          </p:cNvPicPr>
+          <p:nvPr/>
+        </p:nvPicPr>
+        <p:blipFill>
+          <a:blip r:embed="rId39"/>
+          <a:stretch>
+            <a:fillRect/>
+          </a:stretch>
+        </p:blipFill>
+        <p:spPr>
+          <a:xfrm>
+            <a:off x="11201400" y="2819400"/>
+            <a:ext cx="666750" cy="666750"/>
+          </a:xfrm>
+          <a:prstGeom prst="rect">
+            <a:avLst/>
+          </a:prstGeom>
+        </p:spPr>
+      </p:pic>
+      <p:sp>
+        <p:nvSpPr>
+          <p:cNvPr id="59" name="TextBox 11">
+            <a:extLst>
+              <a:ext uri="{FF2B5EF4-FFF2-40B4-BE49-F238E27FC236}">
+                <a16:creationId xmlns:a16="http://schemas.microsoft.com/office/drawing/2014/main" id="{A0C55ED5-5FA3-F04C-833E-3AE92E7F9BA4}"/>
+              </a:ext>
+            </a:extLst>
+          </p:cNvPr>
+          <p:cNvSpPr txBox="1">
+            <a:spLocks noChangeArrowheads="1"/>
+          </p:cNvSpPr>
+          <p:nvPr/>
+        </p:nvSpPr>
+        <p:spPr bwMode="auto">
+          <a:xfrm>
+            <a:off x="10833100" y="3487579"/>
+            <a:ext cx="1511300" cy="400110"/>
+          </a:xfrm>
+          <a:prstGeom prst="rect">
+            <a:avLst/>
+          </a:prstGeom>
+          <a:noFill/>
+          <a:ln>
+            <a:noFill/>
+          </a:ln>
+          <a:extLst>
+            <a:ext uri="{909E8E84-426E-40DD-AFC4-6F175D3DCCD1}">
+              <a14:hiddenFill xmlns:a14="http://schemas.microsoft.com/office/drawing/2010/main">
+                <a:solidFill>
+                  <a:srgbClr val="FFFFFF"/>
+                </a:solidFill>
+              </a14:hiddenFill>
+            </a:ext>
+            <a:ext uri="{91240B29-F687-4F45-9708-019B960494DF}">
+              <a14:hiddenLine xmlns:a14="http://schemas.microsoft.com/office/drawing/2010/main" w="9525">
+                <a:solidFill>
+                  <a:srgbClr val="000000"/>
+                </a:solidFill>
+                <a:miter lim="800000"/>
+                <a:headEnd/>
+                <a:tailEnd/>
+              </a14:hiddenLine>
+            </a:ext>
+          </a:extLst>
+        </p:spPr>
+        <p:txBody>
+          <a:bodyPr>
+            <a:spAutoFit/>
+          </a:bodyPr>
+          <a:lstStyle>
+            <a:lvl1pPr>
+              <a:defRPr>
+                <a:solidFill>
+                  <a:schemeClr val="tx1"/>
+                </a:solidFill>
+                <a:latin typeface="Calibri" panose="020F0502020204030204" pitchFamily="34" charset="0"/>
+              </a:defRPr>
+            </a:lvl1pPr>
+            <a:lvl2pPr marL="742950" indent="-285750">
+              <a:defRPr>
+                <a:solidFill>
+                  <a:schemeClr val="tx1"/>
+                </a:solidFill>
+                <a:latin typeface="Calibri" panose="020F0502020204030204" pitchFamily="34" charset="0"/>
+              </a:defRPr>
+            </a:lvl2pPr>
+            <a:lvl3pPr marL="1143000" indent="-228600">
+              <a:defRPr>
+                <a:solidFill>
+                  <a:schemeClr val="tx1"/>
+                </a:solidFill>
+                <a:latin typeface="Calibri" panose="020F0502020204030204" pitchFamily="34" charset="0"/>
+              </a:defRPr>
+            </a:lvl3pPr>
+            <a:lvl4pPr marL="1600200" indent="-228600">
+              <a:defRPr>
+                <a:solidFill>
+                  <a:schemeClr val="tx1"/>
+                </a:solidFill>
+                <a:latin typeface="Calibri" panose="020F0502020204030204" pitchFamily="34" charset="0"/>
+              </a:defRPr>
+            </a:lvl4pPr>
+            <a:lvl5pPr marL="2057400" indent="-228600">
+              <a:defRPr>
+                <a:solidFill>
+                  <a:schemeClr val="tx1"/>
+                </a:solidFill>
+                <a:latin typeface="Calibri" panose="020F0502020204030204" pitchFamily="34" charset="0"/>
+              </a:defRPr>
+            </a:lvl5pPr>
+            <a:lvl6pPr marL="2514600" indent="-228600" eaLnBrk="0" fontAlgn="base" hangingPunct="0">
+              <a:spcBef>
+                <a:spcPct val="0"/>
+              </a:spcBef>
+              <a:spcAft>
+                <a:spcPct val="0"/>
+              </a:spcAft>
+              <a:defRPr>
+                <a:solidFill>
+                  <a:schemeClr val="tx1"/>
+                </a:solidFill>
+                <a:latin typeface="Calibri" panose="020F0502020204030204" pitchFamily="34" charset="0"/>
+              </a:defRPr>
+            </a:lvl6pPr>
+            <a:lvl7pPr marL="2971800" indent="-228600" eaLnBrk="0" fontAlgn="base" hangingPunct="0">
+              <a:spcBef>
+                <a:spcPct val="0"/>
+              </a:spcBef>
+              <a:spcAft>
+                <a:spcPct val="0"/>
+              </a:spcAft>
+              <a:defRPr>
+                <a:solidFill>
+                  <a:schemeClr val="tx1"/>
+                </a:solidFill>
+                <a:latin typeface="Calibri" panose="020F0502020204030204" pitchFamily="34" charset="0"/>
+              </a:defRPr>
+            </a:lvl7pPr>
+            <a:lvl8pPr marL="3429000" indent="-228600" eaLnBrk="0" fontAlgn="base" hangingPunct="0">
+              <a:spcBef>
+                <a:spcPct val="0"/>
+              </a:spcBef>
+              <a:spcAft>
+                <a:spcPct val="0"/>
+              </a:spcAft>
+              <a:defRPr>
+                <a:solidFill>
+                  <a:schemeClr val="tx1"/>
+                </a:solidFill>
+                <a:latin typeface="Calibri" panose="020F0502020204030204" pitchFamily="34" charset="0"/>
+              </a:defRPr>
+            </a:lvl8pPr>
+            <a:lvl9pPr marL="3886200" indent="-228600" eaLnBrk="0" fontAlgn="base" hangingPunct="0">
+              <a:spcBef>
+                <a:spcPct val="0"/>
+              </a:spcBef>
+              <a:spcAft>
+                <a:spcPct val="0"/>
+              </a:spcAft>
+              <a:defRPr>
+                <a:solidFill>
+                  <a:schemeClr val="tx1"/>
+                </a:solidFill>
+                <a:latin typeface="Calibri" panose="020F0502020204030204" pitchFamily="34" charset="0"/>
+              </a:defRPr>
+            </a:lvl9pPr>
+          </a:lstStyle>
+          <a:p>
+            <a:pPr algn="ctr" eaLnBrk="1" hangingPunct="1"/>
+            <a:r>
+              <a:rPr lang="en-US" altLang="en-US" sz="1000" smtClean="0">
+                <a:latin typeface="+mn-lt"/>
+                <a:ea typeface="Amazon Ember" panose="020B0603020204020204" pitchFamily="34" charset="0"/>
+                <a:cs typeface="Arial" panose="020B0604020202020204" pitchFamily="34" charset="0"/>
+              </a:rPr>
+              <a:t>DC/GC/DNS</a:t>
+            </a:r>
+          </a:p>
+          <a:p>
+            <a:pPr algn="ctr" eaLnBrk="1" hangingPunct="1"/>
+            <a:r>
+              <a:rPr lang="en-US" altLang="en-US" sz="1000" smtClean="0">
+                <a:latin typeface="+mn-lt"/>
+                <a:ea typeface="Amazon Ember" panose="020B0603020204020204" pitchFamily="34" charset="0"/>
+                <a:cs typeface="Arial" panose="020B0604020202020204" pitchFamily="34" charset="0"/>
+              </a:rPr>
+              <a:t>(DC)</a:t>
+            </a:r>
+            <a:endParaRPr lang="en-US" altLang="en-US" sz="1000" dirty="0">
+              <a:latin typeface="+mn-lt"/>
+              <a:ea typeface="Amazon Ember" panose="020B0603020204020204" pitchFamily="34" charset="0"/>
+              <a:cs typeface="Arial" panose="020B0604020202020204" pitchFamily="34" charset="0"/>
+            </a:endParaRPr>
+          </a:p>
+        </p:txBody>
+      </p:sp>
+      <p:sp>
+        <p:nvSpPr>
+          <p:cNvPr id="60" name="TextBox 11">
+            <a:extLst>
+              <a:ext uri="{FF2B5EF4-FFF2-40B4-BE49-F238E27FC236}">
+                <a16:creationId xmlns:a16="http://schemas.microsoft.com/office/drawing/2014/main" id="{A0C55ED5-5FA3-F04C-833E-3AE92E7F9BA4}"/>
+              </a:ext>
+            </a:extLst>
+          </p:cNvPr>
+          <p:cNvSpPr txBox="1">
+            <a:spLocks noChangeArrowheads="1"/>
+          </p:cNvSpPr>
+          <p:nvPr/>
+        </p:nvSpPr>
+        <p:spPr bwMode="auto">
+          <a:xfrm>
+            <a:off x="10820400" y="4478179"/>
+            <a:ext cx="1511300" cy="246221"/>
+          </a:xfrm>
+          <a:prstGeom prst="rect">
+            <a:avLst/>
+          </a:prstGeom>
+          <a:noFill/>
+          <a:ln>
+            <a:noFill/>
+          </a:ln>
+          <a:extLst>
+            <a:ext uri="{909E8E84-426E-40DD-AFC4-6F175D3DCCD1}">
+              <a14:hiddenFill xmlns:a14="http://schemas.microsoft.com/office/drawing/2010/main">
+                <a:solidFill>
+                  <a:srgbClr val="FFFFFF"/>
+                </a:solidFill>
+              </a14:hiddenFill>
+            </a:ext>
+            <a:ext uri="{91240B29-F687-4F45-9708-019B960494DF}">
+              <a14:hiddenLine xmlns:a14="http://schemas.microsoft.com/office/drawing/2010/main" w="9525">
+                <a:solidFill>
+                  <a:srgbClr val="000000"/>
+                </a:solidFill>
+                <a:miter lim="800000"/>
+                <a:headEnd/>
+                <a:tailEnd/>
+              </a14:hiddenLine>
+            </a:ext>
+          </a:extLst>
+        </p:spPr>
+        <p:txBody>
+          <a:bodyPr>
+            <a:spAutoFit/>
+          </a:bodyPr>
+          <a:lstStyle>
+            <a:lvl1pPr>
+              <a:defRPr>
+                <a:solidFill>
+                  <a:schemeClr val="tx1"/>
+                </a:solidFill>
+                <a:latin typeface="Calibri" panose="020F0502020204030204" pitchFamily="34" charset="0"/>
+              </a:defRPr>
+            </a:lvl1pPr>
+            <a:lvl2pPr marL="742950" indent="-285750">
+              <a:defRPr>
+                <a:solidFill>
+                  <a:schemeClr val="tx1"/>
+                </a:solidFill>
+                <a:latin typeface="Calibri" panose="020F0502020204030204" pitchFamily="34" charset="0"/>
+              </a:defRPr>
+            </a:lvl2pPr>
+            <a:lvl3pPr marL="1143000" indent="-228600">
+              <a:defRPr>
+                <a:solidFill>
+                  <a:schemeClr val="tx1"/>
+                </a:solidFill>
+                <a:latin typeface="Calibri" panose="020F0502020204030204" pitchFamily="34" charset="0"/>
+              </a:defRPr>
+            </a:lvl3pPr>
+            <a:lvl4pPr marL="1600200" indent="-228600">
+              <a:defRPr>
+                <a:solidFill>
+                  <a:schemeClr val="tx1"/>
+                </a:solidFill>
+                <a:latin typeface="Calibri" panose="020F0502020204030204" pitchFamily="34" charset="0"/>
+              </a:defRPr>
+            </a:lvl4pPr>
+            <a:lvl5pPr marL="2057400" indent="-228600">
+              <a:defRPr>
+                <a:solidFill>
+                  <a:schemeClr val="tx1"/>
+                </a:solidFill>
+                <a:latin typeface="Calibri" panose="020F0502020204030204" pitchFamily="34" charset="0"/>
+              </a:defRPr>
+            </a:lvl5pPr>
+            <a:lvl6pPr marL="2514600" indent="-228600" eaLnBrk="0" fontAlgn="base" hangingPunct="0">
+              <a:spcBef>
+                <a:spcPct val="0"/>
+              </a:spcBef>
+              <a:spcAft>
+                <a:spcPct val="0"/>
+              </a:spcAft>
+              <a:defRPr>
+                <a:solidFill>
+                  <a:schemeClr val="tx1"/>
+                </a:solidFill>
+                <a:latin typeface="Calibri" panose="020F0502020204030204" pitchFamily="34" charset="0"/>
+              </a:defRPr>
+            </a:lvl6pPr>
+            <a:lvl7pPr marL="2971800" indent="-228600" eaLnBrk="0" fontAlgn="base" hangingPunct="0">
+              <a:spcBef>
+                <a:spcPct val="0"/>
+              </a:spcBef>
+              <a:spcAft>
+                <a:spcPct val="0"/>
+              </a:spcAft>
+              <a:defRPr>
+                <a:solidFill>
+                  <a:schemeClr val="tx1"/>
+                </a:solidFill>
+                <a:latin typeface="Calibri" panose="020F0502020204030204" pitchFamily="34" charset="0"/>
+              </a:defRPr>
+            </a:lvl7pPr>
+            <a:lvl8pPr marL="3429000" indent="-228600" eaLnBrk="0" fontAlgn="base" hangingPunct="0">
+              <a:spcBef>
+                <a:spcPct val="0"/>
+              </a:spcBef>
+              <a:spcAft>
+                <a:spcPct val="0"/>
+              </a:spcAft>
+              <a:defRPr>
+                <a:solidFill>
+                  <a:schemeClr val="tx1"/>
+                </a:solidFill>
+                <a:latin typeface="Calibri" panose="020F0502020204030204" pitchFamily="34" charset="0"/>
+              </a:defRPr>
+            </a:lvl8pPr>
+            <a:lvl9pPr marL="3886200" indent="-228600" eaLnBrk="0" fontAlgn="base" hangingPunct="0">
+              <a:spcBef>
+                <a:spcPct val="0"/>
+              </a:spcBef>
+              <a:spcAft>
+                <a:spcPct val="0"/>
+              </a:spcAft>
+              <a:defRPr>
+                <a:solidFill>
+                  <a:schemeClr val="tx1"/>
+                </a:solidFill>
+                <a:latin typeface="Calibri" panose="020F0502020204030204" pitchFamily="34" charset="0"/>
+              </a:defRPr>
+            </a:lvl9pPr>
+          </a:lstStyle>
+          <a:p>
+            <a:pPr algn="ctr" eaLnBrk="1" hangingPunct="1"/>
+            <a:r>
+              <a:rPr lang="en-US" altLang="en-US" sz="1000" smtClean="0">
+                <a:latin typeface="+mn-lt"/>
+                <a:ea typeface="Amazon Ember" panose="020B0603020204020204" pitchFamily="34" charset="0"/>
+                <a:cs typeface="Arial" panose="020B0604020202020204" pitchFamily="34" charset="0"/>
+              </a:rPr>
+              <a:t>Active Directory</a:t>
+            </a:r>
+            <a:endParaRPr lang="en-US" altLang="en-US" sz="1000" dirty="0">
+              <a:latin typeface="+mn-lt"/>
+              <a:ea typeface="Amazon Ember" panose="020B0603020204020204" pitchFamily="34" charset="0"/>
+              <a:cs typeface="Arial" panose="020B0604020202020204" pitchFamily="34" charset="0"/>
+            </a:endParaRPr>
+          </a:p>
+        </p:txBody>
+      </p:sp>
+      <p:sp>
+        <p:nvSpPr>
+          <p:cNvPr id="61" name="Freeform 60">
+            <a:extLst>
+              <a:ext uri="{FF2B5EF4-FFF2-40B4-BE49-F238E27FC236}">
+                <a16:creationId xmlns:a16="http://schemas.microsoft.com/office/drawing/2014/main" id="{AB463B32-97C4-5947-BC9B-DB77CF5E096E}"/>
+              </a:ext>
+            </a:extLst>
+          </p:cNvPr>
+          <p:cNvSpPr/>
+          <p:nvPr/>
+        </p:nvSpPr>
+        <p:spPr>
+          <a:xfrm rot="10800000" flipH="1">
+            <a:off x="8382000" y="4712677"/>
+            <a:ext cx="3233738" cy="316523"/>
+          </a:xfrm>
+          <a:custGeom>
+            <a:avLst/>
+            <a:gdLst>
+              <a:gd name="connsiteX0" fmla="*/ 1371600 w 1371600"/>
+              <a:gd name="connsiteY0" fmla="*/ 711200 h 711200"/>
+              <a:gd name="connsiteX1" fmla="*/ 1371600 w 1371600"/>
+              <a:gd name="connsiteY1" fmla="*/ 0 h 711200"/>
+              <a:gd name="connsiteX2" fmla="*/ 0 w 1371600"/>
+              <a:gd name="connsiteY2" fmla="*/ 0 h 711200"/>
+            </a:gdLst>
+            <a:ahLst/>
+            <a:cxnLst>
+              <a:cxn ang="0">
+                <a:pos x="connsiteX0" y="connsiteY0"/>
+              </a:cxn>
+              <a:cxn ang="0">
+                <a:pos x="connsiteX1" y="connsiteY1"/>
+              </a:cxn>
+              <a:cxn ang="0">
+                <a:pos x="connsiteX2" y="connsiteY2"/>
+              </a:cxn>
+            </a:cxnLst>
+            <a:rect l="l" t="t" r="r" b="b"/>
+            <a:pathLst>
+              <a:path w="1371600" h="711200">
+                <a:moveTo>
+                  <a:pt x="1371600" y="711200"/>
+                </a:moveTo>
+                <a:lnTo>
+                  <a:pt x="1371600" y="0"/>
+                </a:lnTo>
+                <a:lnTo>
+                  <a:pt x="0" y="0"/>
+                </a:lnTo>
+              </a:path>
+            </a:pathLst>
+          </a:custGeom>
+          <a:noFill/>
+          <a:ln w="12700">
+            <a:solidFill>
+              <a:schemeClr val="tx2"/>
+            </a:solidFill>
+            <a:headEnd type="arrow" w="med" len="sm"/>
+            <a:tailEnd type="arrow" w="med" len="sm"/>
+          </a:ln>
+        </p:spPr>
+        <p:style>
+          <a:lnRef idx="2">
+            <a:schemeClr val="accent1">
+              <a:shade val="50000"/>
+            </a:schemeClr>
+          </a:lnRef>
+          <a:fillRef idx="1">
+            <a:schemeClr val="accent1"/>
+          </a:fillRef>
+          <a:effectRef idx="0">
+            <a:schemeClr val="accent1"/>
+          </a:effectRef>
+          <a:fontRef idx="minor">
+            <a:schemeClr val="lt1"/>
+          </a:fontRef>
+        </p:style>
+        <p:txBody>
+          <a:bodyPr anchor="ctr"/>
+          <a:lstStyle/>
+          <a:p>
+            <a:pPr algn="ctr" eaLnBrk="1" fontAlgn="auto" hangingPunct="1">
+              <a:spcBef>
+                <a:spcPts val="0"/>
+              </a:spcBef>
+              <a:spcAft>
+                <a:spcPts val="0"/>
+              </a:spcAft>
+              <a:defRPr/>
+            </a:pPr>
+            <a:endParaRPr lang="en-US" dirty="0"/>
+          </a:p>
+        </p:txBody>
+      </p:sp>
+      <p:sp>
+        <p:nvSpPr>
+          <p:cNvPr id="62" name="TextBox 11">
+            <a:extLst>
+              <a:ext uri="{FF2B5EF4-FFF2-40B4-BE49-F238E27FC236}">
+                <a16:creationId xmlns:a16="http://schemas.microsoft.com/office/drawing/2014/main" id="{A0C55ED5-5FA3-F04C-833E-3AE92E7F9BA4}"/>
+              </a:ext>
+            </a:extLst>
+          </p:cNvPr>
+          <p:cNvSpPr txBox="1">
+            <a:spLocks noChangeArrowheads="1"/>
+          </p:cNvSpPr>
+          <p:nvPr/>
+        </p:nvSpPr>
+        <p:spPr bwMode="auto">
+          <a:xfrm>
+            <a:off x="9067800" y="4800600"/>
+            <a:ext cx="2438400" cy="246221"/>
+          </a:xfrm>
+          <a:prstGeom prst="rect">
+            <a:avLst/>
+          </a:prstGeom>
+          <a:noFill/>
+          <a:ln>
+            <a:noFill/>
+          </a:ln>
+          <a:extLst>
+            <a:ext uri="{909E8E84-426E-40DD-AFC4-6F175D3DCCD1}">
+              <a14:hiddenFill xmlns:a14="http://schemas.microsoft.com/office/drawing/2010/main">
+                <a:solidFill>
+                  <a:srgbClr val="FFFFFF"/>
+                </a:solidFill>
+              </a14:hiddenFill>
+            </a:ext>
+            <a:ext uri="{91240B29-F687-4F45-9708-019B960494DF}">
+              <a14:hiddenLine xmlns:a14="http://schemas.microsoft.com/office/drawing/2010/main" w="9525">
+                <a:solidFill>
+                  <a:srgbClr val="000000"/>
+                </a:solidFill>
+                <a:miter lim="800000"/>
+                <a:headEnd/>
+                <a:tailEnd/>
+              </a14:hiddenLine>
+            </a:ext>
+          </a:extLst>
+        </p:spPr>
+        <p:txBody>
+          <a:bodyPr wrap="square">
+            <a:spAutoFit/>
+          </a:bodyPr>
+          <a:lstStyle>
+            <a:lvl1pPr>
+              <a:defRPr>
+                <a:solidFill>
+                  <a:schemeClr val="tx1"/>
+                </a:solidFill>
+                <a:latin typeface="Calibri" panose="020F0502020204030204" pitchFamily="34" charset="0"/>
+              </a:defRPr>
+            </a:lvl1pPr>
+            <a:lvl2pPr marL="742950" indent="-285750">
+              <a:defRPr>
+                <a:solidFill>
+                  <a:schemeClr val="tx1"/>
+                </a:solidFill>
+                <a:latin typeface="Calibri" panose="020F0502020204030204" pitchFamily="34" charset="0"/>
+              </a:defRPr>
+            </a:lvl2pPr>
+            <a:lvl3pPr marL="1143000" indent="-228600">
+              <a:defRPr>
+                <a:solidFill>
+                  <a:schemeClr val="tx1"/>
+                </a:solidFill>
+                <a:latin typeface="Calibri" panose="020F0502020204030204" pitchFamily="34" charset="0"/>
+              </a:defRPr>
+            </a:lvl3pPr>
+            <a:lvl4pPr marL="1600200" indent="-228600">
+              <a:defRPr>
+                <a:solidFill>
+                  <a:schemeClr val="tx1"/>
+                </a:solidFill>
+                <a:latin typeface="Calibri" panose="020F0502020204030204" pitchFamily="34" charset="0"/>
+              </a:defRPr>
+            </a:lvl4pPr>
+            <a:lvl5pPr marL="2057400" indent="-228600">
+              <a:defRPr>
+                <a:solidFill>
+                  <a:schemeClr val="tx1"/>
+                </a:solidFill>
+                <a:latin typeface="Calibri" panose="020F0502020204030204" pitchFamily="34" charset="0"/>
+              </a:defRPr>
+            </a:lvl5pPr>
+            <a:lvl6pPr marL="2514600" indent="-228600" eaLnBrk="0" fontAlgn="base" hangingPunct="0">
+              <a:spcBef>
+                <a:spcPct val="0"/>
+              </a:spcBef>
+              <a:spcAft>
+                <a:spcPct val="0"/>
+              </a:spcAft>
+              <a:defRPr>
+                <a:solidFill>
+                  <a:schemeClr val="tx1"/>
+                </a:solidFill>
+                <a:latin typeface="Calibri" panose="020F0502020204030204" pitchFamily="34" charset="0"/>
+              </a:defRPr>
+            </a:lvl6pPr>
+            <a:lvl7pPr marL="2971800" indent="-228600" eaLnBrk="0" fontAlgn="base" hangingPunct="0">
+              <a:spcBef>
+                <a:spcPct val="0"/>
+              </a:spcBef>
+              <a:spcAft>
+                <a:spcPct val="0"/>
+              </a:spcAft>
+              <a:defRPr>
+                <a:solidFill>
+                  <a:schemeClr val="tx1"/>
+                </a:solidFill>
+                <a:latin typeface="Calibri" panose="020F0502020204030204" pitchFamily="34" charset="0"/>
+              </a:defRPr>
+            </a:lvl7pPr>
+            <a:lvl8pPr marL="3429000" indent="-228600" eaLnBrk="0" fontAlgn="base" hangingPunct="0">
+              <a:spcBef>
+                <a:spcPct val="0"/>
+              </a:spcBef>
+              <a:spcAft>
+                <a:spcPct val="0"/>
+              </a:spcAft>
+              <a:defRPr>
+                <a:solidFill>
+                  <a:schemeClr val="tx1"/>
+                </a:solidFill>
+                <a:latin typeface="Calibri" panose="020F0502020204030204" pitchFamily="34" charset="0"/>
+              </a:defRPr>
+            </a:lvl8pPr>
+            <a:lvl9pPr marL="3886200" indent="-228600" eaLnBrk="0" fontAlgn="base" hangingPunct="0">
+              <a:spcBef>
+                <a:spcPct val="0"/>
+              </a:spcBef>
+              <a:spcAft>
+                <a:spcPct val="0"/>
+              </a:spcAft>
+              <a:defRPr>
+                <a:solidFill>
+                  <a:schemeClr val="tx1"/>
+                </a:solidFill>
+                <a:latin typeface="Calibri" panose="020F0502020204030204" pitchFamily="34" charset="0"/>
+              </a:defRPr>
+            </a:lvl9pPr>
+          </a:lstStyle>
+          <a:p>
+            <a:pPr algn="ctr" eaLnBrk="1" hangingPunct="1"/>
+            <a:r>
+              <a:rPr lang="en-US" altLang="en-US" sz="1000" smtClean="0">
+                <a:latin typeface="+mn-lt"/>
+                <a:ea typeface="Amazon Ember" panose="020B0603020204020204" pitchFamily="34" charset="0"/>
+                <a:cs typeface="Arial" panose="020B0604020202020204" pitchFamily="34" charset="0"/>
+              </a:rPr>
+              <a:t>Active Directory replication</a:t>
+            </a:r>
+            <a:endParaRPr lang="en-US" altLang="en-US" sz="1000" dirty="0">
+              <a:latin typeface="+mn-lt"/>
+              <a:ea typeface="Amazon Ember" panose="020B0603020204020204" pitchFamily="34" charset="0"/>
+              <a:cs typeface="Arial" panose="020B0604020202020204" pitchFamily="34" charset="0"/>
+            </a:endParaRPr>
+          </a:p>
+        </p:txBody>
+      </p:sp>
     </p:spTree>
     <p:extLst>
       <p:ext uri="{BB962C8B-B14F-4D97-AF65-F5344CB8AC3E}">
-        <p14:creationId xmlns:p14="http://schemas.microsoft.com/office/powerpoint/2010/main" val="264885022"/>
+        <p14:creationId xmlns:p14="http://schemas.microsoft.com/office/powerpoint/2010/main" val="3261094883"/>
       </p:ext>
     </p:extLst>
   </p:cSld>
@@ -6397,7 +8119,7 @@
           <a:blip r:embed="rId2">
             <a:extLst>
               <a:ext uri="{96DAC541-7B7A-43D3-8B79-37D633B846F1}">
-                <asvg:svgBlip xmlns="" xmlns:asvg="http://schemas.microsoft.com/office/drawing/2016/SVG/main" r:embed="rId3"/>
+                <asvg:svgBlip xmlns:asvg="http://schemas.microsoft.com/office/drawing/2016/SVG/main" xmlns="" r:embed="rId3"/>
               </a:ext>
             </a:extLst>
           </a:blip>
@@ -6501,7 +8223,7 @@
           <a:blip r:embed="rId4">
             <a:extLst>
               <a:ext uri="{96DAC541-7B7A-43D3-8B79-37D633B846F1}">
-                <asvg:svgBlip xmlns="" xmlns:asvg="http://schemas.microsoft.com/office/drawing/2016/SVG/main" r:embed="rId5"/>
+                <asvg:svgBlip xmlns:asvg="http://schemas.microsoft.com/office/drawing/2016/SVG/main" xmlns="" r:embed="rId5"/>
               </a:ext>
             </a:extLst>
           </a:blip>
@@ -6576,7 +8298,7 @@
           <a:p>
             <a:pPr algn="l"/>
             <a:r>
-              <a:rPr lang="en-US" sz="1000" dirty="0">
+              <a:rPr lang="en-US" sz="1000">
                 <a:solidFill>
                   <a:schemeClr val="accent5"/>
                 </a:solidFill>
@@ -6584,13 +8306,10 @@
                 <a:ea typeface="Amazon Ember" panose="020B0603020204020204" pitchFamily="34" charset="0"/>
                 <a:cs typeface="Amazon Ember" panose="020B0603020204020204" pitchFamily="34" charset="0"/>
               </a:rPr>
-              <a:t>Public subnet</a:t>
-            </a:r>
-          </a:p>
-          <a:p>
-            <a:pPr algn="l"/>
-            <a:r>
-              <a:rPr lang="en-US" sz="1000" dirty="0">
+              <a:t>Public </a:t>
+            </a:r>
+            <a:r>
+              <a:rPr lang="en-US" sz="1000" smtClean="0">
                 <a:solidFill>
                   <a:schemeClr val="accent5"/>
                 </a:solidFill>
@@ -6598,8 +8317,27 @@
                 <a:ea typeface="Amazon Ember" panose="020B0603020204020204" pitchFamily="34" charset="0"/>
                 <a:cs typeface="Amazon Ember" panose="020B0603020204020204" pitchFamily="34" charset="0"/>
               </a:rPr>
-              <a:t>10.0.128.0/20</a:t>
-            </a:r>
+              <a:t>subnet</a:t>
+            </a:r>
+            <a:endParaRPr lang="en-US" sz="1000" dirty="0">
+              <a:solidFill>
+                <a:schemeClr val="accent5"/>
+              </a:solidFill>
+              <a:latin typeface="Amazon Ember" panose="020B0603020204020204" pitchFamily="34" charset="0"/>
+              <a:ea typeface="Amazon Ember" panose="020B0603020204020204" pitchFamily="34" charset="0"/>
+              <a:cs typeface="Amazon Ember" panose="020B0603020204020204" pitchFamily="34" charset="0"/>
+            </a:endParaRPr>
+          </a:p>
+          <a:p>
+            <a:pPr algn="l"/>
+            <a:endParaRPr lang="en-US" sz="1000" dirty="0">
+              <a:solidFill>
+                <a:schemeClr val="accent5"/>
+              </a:solidFill>
+              <a:latin typeface="Amazon Ember" panose="020B0603020204020204" pitchFamily="34" charset="0"/>
+              <a:ea typeface="Amazon Ember" panose="020B0603020204020204" pitchFamily="34" charset="0"/>
+              <a:cs typeface="Amazon Ember" panose="020B0603020204020204" pitchFamily="34" charset="0"/>
+            </a:endParaRPr>
           </a:p>
         </p:txBody>
       </p:sp>
@@ -6621,7 +8359,7 @@
           <a:blip r:embed="rId6">
             <a:extLst>
               <a:ext uri="{96DAC541-7B7A-43D3-8B79-37D633B846F1}">
-                <asvg:svgBlip xmlns="" xmlns:asvg="http://schemas.microsoft.com/office/drawing/2016/SVG/main" r:embed="rId7"/>
+                <asvg:svgBlip xmlns:asvg="http://schemas.microsoft.com/office/drawing/2016/SVG/main" xmlns="" r:embed="rId7"/>
               </a:ext>
             </a:extLst>
           </a:blip>
@@ -6709,17 +8447,14 @@
           </a:p>
           <a:p>
             <a:pPr algn="l"/>
-            <a:r>
-              <a:rPr lang="en-US" sz="1000" dirty="0">
-                <a:solidFill>
-                  <a:schemeClr val="accent3"/>
-                </a:solidFill>
-                <a:latin typeface="Amazon Ember" panose="020B0603020204020204" pitchFamily="34" charset="0"/>
-                <a:ea typeface="Amazon Ember" panose="020B0603020204020204" pitchFamily="34" charset="0"/>
-                <a:cs typeface="Amazon Ember" panose="020B0603020204020204" pitchFamily="34" charset="0"/>
-              </a:rPr>
-              <a:t>10.0.0.0/19</a:t>
-            </a:r>
+            <a:endParaRPr lang="en-US" sz="1000" dirty="0">
+              <a:solidFill>
+                <a:schemeClr val="accent3"/>
+              </a:solidFill>
+              <a:latin typeface="Amazon Ember" panose="020B0603020204020204" pitchFamily="34" charset="0"/>
+              <a:ea typeface="Amazon Ember" panose="020B0603020204020204" pitchFamily="34" charset="0"/>
+              <a:cs typeface="Amazon Ember" panose="020B0603020204020204" pitchFamily="34" charset="0"/>
+            </a:endParaRPr>
           </a:p>
         </p:txBody>
       </p:sp>
@@ -6741,7 +8476,7 @@
           <a:blip r:embed="rId8">
             <a:extLst>
               <a:ext uri="{96DAC541-7B7A-43D3-8B79-37D633B846F1}">
-                <asvg:svgBlip xmlns="" xmlns:asvg="http://schemas.microsoft.com/office/drawing/2016/SVG/main" r:embed="rId9"/>
+                <asvg:svgBlip xmlns:asvg="http://schemas.microsoft.com/office/drawing/2016/SVG/main" xmlns="" r:embed="rId9"/>
               </a:ext>
             </a:extLst>
           </a:blip>
@@ -6867,7 +8602,7 @@
           <a:blip r:embed="rId10">
             <a:extLst>
               <a:ext uri="{96DAC541-7B7A-43D3-8B79-37D633B846F1}">
-                <asvg:svgBlip xmlns="" xmlns:asvg="http://schemas.microsoft.com/office/drawing/2016/SVG/main" r:embed="rId11"/>
+                <asvg:svgBlip xmlns:asvg="http://schemas.microsoft.com/office/drawing/2016/SVG/main" xmlns="" r:embed="rId11"/>
               </a:ext>
             </a:extLst>
           </a:blip>
@@ -6968,7 +8703,7 @@
           <a:blip r:embed="rId12">
             <a:extLst>
               <a:ext uri="{96DAC541-7B7A-43D3-8B79-37D633B846F1}">
-                <asvg:svgBlip xmlns="" xmlns:asvg="http://schemas.microsoft.com/office/drawing/2016/SVG/main" r:embed="rId13"/>
+                <asvg:svgBlip xmlns:asvg="http://schemas.microsoft.com/office/drawing/2016/SVG/main" xmlns="" r:embed="rId13"/>
               </a:ext>
             </a:extLst>
           </a:blip>
@@ -7084,7 +8819,7 @@
           <a:blip r:embed="rId14">
             <a:extLst>
               <a:ext uri="{96DAC541-7B7A-43D3-8B79-37D633B846F1}">
-                <asvg:svgBlip xmlns="" xmlns:asvg="http://schemas.microsoft.com/office/drawing/2016/SVG/main" r:embed="rId17"/>
+                <asvg:svgBlip xmlns:asvg="http://schemas.microsoft.com/office/drawing/2016/SVG/main" xmlns="" r:embed="rId17"/>
               </a:ext>
             </a:extLst>
           </a:blip>
@@ -7102,90 +8837,6 @@
           </a:prstGeom>
         </p:spPr>
       </p:pic>
-      <p:pic>
-        <p:nvPicPr>
-          <p:cNvPr id="32" name="Graphic 135">
-            <a:extLst>
-              <a:ext uri="{FF2B5EF4-FFF2-40B4-BE49-F238E27FC236}">
-                <a16:creationId xmlns:a16="http://schemas.microsoft.com/office/drawing/2014/main" id="{C19987B1-DB3A-1640-994D-BCB81FCC1AE4}"/>
-              </a:ext>
-            </a:extLst>
-          </p:cNvPr>
-          <p:cNvPicPr>
-            <a:picLocks noChangeAspect="1"/>
-          </p:cNvPicPr>
-          <p:nvPr/>
-        </p:nvPicPr>
-        <p:blipFill>
-          <a:blip r:embed="rId12">
-            <a:extLst>
-              <a:ext uri="{96DAC541-7B7A-43D3-8B79-37D633B846F1}">
-                <asvg:svgBlip xmlns="" xmlns:asvg="http://schemas.microsoft.com/office/drawing/2016/SVG/main" r:embed="rId13"/>
-              </a:ext>
-            </a:extLst>
-          </a:blip>
-          <a:stretch>
-            <a:fillRect/>
-          </a:stretch>
-        </p:blipFill>
-        <p:spPr>
-          <a:xfrm>
-            <a:off x="3278428" y="4191000"/>
-            <a:ext cx="469900" cy="469900"/>
-          </a:xfrm>
-          <a:prstGeom prst="rect">
-            <a:avLst/>
-          </a:prstGeom>
-        </p:spPr>
-      </p:pic>
-      <p:sp>
-        <p:nvSpPr>
-          <p:cNvPr id="33" name="TextBox 32">
-            <a:extLst>
-              <a:ext uri="{FF2B5EF4-FFF2-40B4-BE49-F238E27FC236}">
-                <a16:creationId xmlns:a16="http://schemas.microsoft.com/office/drawing/2014/main" id="{F90C1CC4-DFE6-0445-BD1C-DB610E1A07F5}"/>
-              </a:ext>
-            </a:extLst>
-          </p:cNvPr>
-          <p:cNvSpPr txBox="1"/>
-          <p:nvPr/>
-        </p:nvSpPr>
-        <p:spPr>
-          <a:xfrm>
-            <a:off x="2756726" y="4636409"/>
-            <a:ext cx="1513305" cy="246221"/>
-          </a:xfrm>
-          <a:prstGeom prst="rect">
-            <a:avLst/>
-          </a:prstGeom>
-          <a:noFill/>
-        </p:spPr>
-        <p:txBody>
-          <a:bodyPr wrap="square" rtlCol="0">
-            <a:spAutoFit/>
-          </a:bodyPr>
-          <a:lstStyle/>
-          <a:p>
-            <a:pPr algn="ctr"/>
-            <a:r>
-              <a:rPr lang="en-US" sz="1000" smtClean="0">
-                <a:latin typeface="Amazon Ember" panose="020B0603020204020204" pitchFamily="34" charset="0"/>
-                <a:ea typeface="Amazon Ember" panose="020B0603020204020204" pitchFamily="34" charset="0"/>
-                <a:cs typeface="Amazon Ember" panose="020B0603020204020204" pitchFamily="34" charset="0"/>
-              </a:rPr>
-              <a:t>Domain Controller </a:t>
-            </a:r>
-            <a:r>
-              <a:rPr lang="en-US" sz="1000" dirty="0">
-                <a:latin typeface="Amazon Ember" panose="020B0603020204020204" pitchFamily="34" charset="0"/>
-                <a:ea typeface="Amazon Ember" panose="020B0603020204020204" pitchFamily="34" charset="0"/>
-                <a:cs typeface="Amazon Ember" panose="020B0603020204020204" pitchFamily="34" charset="0"/>
-              </a:rPr>
-              <a:t>1</a:t>
-            </a:r>
-          </a:p>
-        </p:txBody>
-      </p:sp>
       <p:sp>
         <p:nvSpPr>
           <p:cNvPr id="34" name="Rectangle 33">
@@ -7256,17 +8907,14 @@
           </a:p>
           <a:p>
             <a:pPr algn="l"/>
-            <a:r>
-              <a:rPr lang="en-US" sz="1000" dirty="0">
-                <a:solidFill>
-                  <a:schemeClr val="accent5"/>
-                </a:solidFill>
-                <a:latin typeface="Amazon Ember" panose="020B0603020204020204" pitchFamily="34" charset="0"/>
-                <a:ea typeface="Amazon Ember" panose="020B0603020204020204" pitchFamily="34" charset="0"/>
-                <a:cs typeface="Amazon Ember" panose="020B0603020204020204" pitchFamily="34" charset="0"/>
-              </a:rPr>
-              <a:t>10.0.144.0/20</a:t>
-            </a:r>
+            <a:endParaRPr lang="en-US" sz="1000" dirty="0">
+              <a:solidFill>
+                <a:schemeClr val="accent5"/>
+              </a:solidFill>
+              <a:latin typeface="Amazon Ember" panose="020B0603020204020204" pitchFamily="34" charset="0"/>
+              <a:ea typeface="Amazon Ember" panose="020B0603020204020204" pitchFamily="34" charset="0"/>
+              <a:cs typeface="Amazon Ember" panose="020B0603020204020204" pitchFamily="34" charset="0"/>
+            </a:endParaRPr>
           </a:p>
         </p:txBody>
       </p:sp>
@@ -7288,7 +8936,7 @@
           <a:blip r:embed="rId6">
             <a:extLst>
               <a:ext uri="{96DAC541-7B7A-43D3-8B79-37D633B846F1}">
-                <asvg:svgBlip xmlns="" xmlns:asvg="http://schemas.microsoft.com/office/drawing/2016/SVG/main" r:embed="rId7"/>
+                <asvg:svgBlip xmlns:asvg="http://schemas.microsoft.com/office/drawing/2016/SVG/main" xmlns="" r:embed="rId7"/>
               </a:ext>
             </a:extLst>
           </a:blip>
@@ -7376,17 +9024,14 @@
           </a:p>
           <a:p>
             <a:pPr algn="l"/>
-            <a:r>
-              <a:rPr lang="en-US" sz="1000" dirty="0">
-                <a:solidFill>
-                  <a:schemeClr val="accent3"/>
-                </a:solidFill>
-                <a:latin typeface="Amazon Ember" panose="020B0603020204020204" pitchFamily="34" charset="0"/>
-                <a:ea typeface="Amazon Ember" panose="020B0603020204020204" pitchFamily="34" charset="0"/>
-                <a:cs typeface="Amazon Ember" panose="020B0603020204020204" pitchFamily="34" charset="0"/>
-              </a:rPr>
-              <a:t>10.0.32.0/19</a:t>
-            </a:r>
+            <a:endParaRPr lang="en-US" sz="1000" dirty="0">
+              <a:solidFill>
+                <a:schemeClr val="accent3"/>
+              </a:solidFill>
+              <a:latin typeface="Amazon Ember" panose="020B0603020204020204" pitchFamily="34" charset="0"/>
+              <a:ea typeface="Amazon Ember" panose="020B0603020204020204" pitchFamily="34" charset="0"/>
+              <a:cs typeface="Amazon Ember" panose="020B0603020204020204" pitchFamily="34" charset="0"/>
+            </a:endParaRPr>
           </a:p>
         </p:txBody>
       </p:sp>
@@ -7408,7 +9053,7 @@
           <a:blip r:embed="rId8">
             <a:extLst>
               <a:ext uri="{96DAC541-7B7A-43D3-8B79-37D633B846F1}">
-                <asvg:svgBlip xmlns="" xmlns:asvg="http://schemas.microsoft.com/office/drawing/2016/SVG/main" r:embed="rId9"/>
+                <asvg:svgBlip xmlns:asvg="http://schemas.microsoft.com/office/drawing/2016/SVG/main" xmlns="" r:embed="rId9"/>
               </a:ext>
             </a:extLst>
           </a:blip>
@@ -7592,7 +9237,7 @@
           <a:blip r:embed="rId14">
             <a:extLst>
               <a:ext uri="{96DAC541-7B7A-43D3-8B79-37D633B846F1}">
-                <asvg:svgBlip xmlns="" xmlns:asvg="http://schemas.microsoft.com/office/drawing/2016/SVG/main" r:embed="rId17"/>
+                <asvg:svgBlip xmlns:asvg="http://schemas.microsoft.com/office/drawing/2016/SVG/main" xmlns="" r:embed="rId17"/>
               </a:ext>
             </a:extLst>
           </a:blip>
@@ -7610,90 +9255,6 @@
           </a:prstGeom>
         </p:spPr>
       </p:pic>
-      <p:pic>
-        <p:nvPicPr>
-          <p:cNvPr id="47" name="Graphic 135">
-            <a:extLst>
-              <a:ext uri="{FF2B5EF4-FFF2-40B4-BE49-F238E27FC236}">
-                <a16:creationId xmlns:a16="http://schemas.microsoft.com/office/drawing/2014/main" id="{C19987B1-DB3A-1640-994D-BCB81FCC1AE4}"/>
-              </a:ext>
-            </a:extLst>
-          </p:cNvPr>
-          <p:cNvPicPr>
-            <a:picLocks noChangeAspect="1"/>
-          </p:cNvPicPr>
-          <p:nvPr/>
-        </p:nvPicPr>
-        <p:blipFill>
-          <a:blip r:embed="rId12">
-            <a:extLst>
-              <a:ext uri="{96DAC541-7B7A-43D3-8B79-37D633B846F1}">
-                <asvg:svgBlip xmlns="" xmlns:asvg="http://schemas.microsoft.com/office/drawing/2016/SVG/main" r:embed="rId13"/>
-              </a:ext>
-            </a:extLst>
-          </a:blip>
-          <a:stretch>
-            <a:fillRect/>
-          </a:stretch>
-        </p:blipFill>
-        <p:spPr>
-          <a:xfrm>
-            <a:off x="5713997" y="4191000"/>
-            <a:ext cx="469900" cy="469900"/>
-          </a:xfrm>
-          <a:prstGeom prst="rect">
-            <a:avLst/>
-          </a:prstGeom>
-        </p:spPr>
-      </p:pic>
-      <p:sp>
-        <p:nvSpPr>
-          <p:cNvPr id="48" name="TextBox 47">
-            <a:extLst>
-              <a:ext uri="{FF2B5EF4-FFF2-40B4-BE49-F238E27FC236}">
-                <a16:creationId xmlns:a16="http://schemas.microsoft.com/office/drawing/2014/main" id="{F90C1CC4-DFE6-0445-BD1C-DB610E1A07F5}"/>
-              </a:ext>
-            </a:extLst>
-          </p:cNvPr>
-          <p:cNvSpPr txBox="1"/>
-          <p:nvPr/>
-        </p:nvSpPr>
-        <p:spPr>
-          <a:xfrm>
-            <a:off x="5192295" y="4636409"/>
-            <a:ext cx="1513305" cy="246221"/>
-          </a:xfrm>
-          <a:prstGeom prst="rect">
-            <a:avLst/>
-          </a:prstGeom>
-          <a:noFill/>
-        </p:spPr>
-        <p:txBody>
-          <a:bodyPr wrap="square" rtlCol="0">
-            <a:spAutoFit/>
-          </a:bodyPr>
-          <a:lstStyle/>
-          <a:p>
-            <a:pPr algn="ctr"/>
-            <a:r>
-              <a:rPr lang="en-US" sz="1000" smtClean="0">
-                <a:latin typeface="Amazon Ember" panose="020B0603020204020204" pitchFamily="34" charset="0"/>
-                <a:ea typeface="Amazon Ember" panose="020B0603020204020204" pitchFamily="34" charset="0"/>
-                <a:cs typeface="Amazon Ember" panose="020B0603020204020204" pitchFamily="34" charset="0"/>
-              </a:rPr>
-              <a:t>Domain Controller </a:t>
-            </a:r>
-            <a:r>
-              <a:rPr lang="en-US" sz="1000" dirty="0">
-                <a:latin typeface="Amazon Ember" panose="020B0603020204020204" pitchFamily="34" charset="0"/>
-                <a:ea typeface="Amazon Ember" panose="020B0603020204020204" pitchFamily="34" charset="0"/>
-                <a:cs typeface="Amazon Ember" panose="020B0603020204020204" pitchFamily="34" charset="0"/>
-              </a:rPr>
-              <a:t>2</a:t>
-            </a:r>
-          </a:p>
-        </p:txBody>
-      </p:sp>
       <p:sp>
         <p:nvSpPr>
           <p:cNvPr id="49" name="TextBox 48">
@@ -7752,7 +9313,7 @@
           <a:blip r:embed="rId18">
             <a:extLst>
               <a:ext uri="{96DAC541-7B7A-43D3-8B79-37D633B846F1}">
-                <asvg:svgBlip xmlns="" xmlns:asvg="http://schemas.microsoft.com/office/drawing/2016/SVG/main" r:embed="rId19"/>
+                <asvg:svgBlip xmlns:asvg="http://schemas.microsoft.com/office/drawing/2016/SVG/main" xmlns="" r:embed="rId19"/>
               </a:ext>
             </a:extLst>
           </a:blip>
@@ -7770,88 +9331,12 @@
           </a:prstGeom>
         </p:spPr>
       </p:pic>
-      <p:sp>
-        <p:nvSpPr>
-          <p:cNvPr id="77" name="TextBox 76">
-            <a:extLst>
-              <a:ext uri="{FF2B5EF4-FFF2-40B4-BE49-F238E27FC236}">
-                <a16:creationId xmlns:a16="http://schemas.microsoft.com/office/drawing/2014/main" id="{4722BC20-320C-4D7A-A14F-078F906B6A29}"/>
-              </a:ext>
-            </a:extLst>
-          </p:cNvPr>
-          <p:cNvSpPr txBox="1"/>
-          <p:nvPr/>
-        </p:nvSpPr>
-        <p:spPr>
-          <a:xfrm>
-            <a:off x="7716930" y="3285485"/>
-            <a:ext cx="2301904" cy="246221"/>
-          </a:xfrm>
-          <a:prstGeom prst="rect">
-            <a:avLst/>
-          </a:prstGeom>
-          <a:noFill/>
-        </p:spPr>
-        <p:txBody>
-          <a:bodyPr wrap="square" rtlCol="0">
-            <a:spAutoFit/>
-          </a:bodyPr>
-          <a:lstStyle/>
-          <a:p>
-            <a:pPr algn="ctr"/>
-            <a:r>
-              <a:rPr lang="en-US" sz="1000" dirty="0"/>
-              <a:t>AWS Secrets Manager</a:t>
-            </a:r>
-          </a:p>
-        </p:txBody>
-      </p:sp>
-      <p:sp>
-        <p:nvSpPr>
-          <p:cNvPr id="78" name="TextBox 77">
-            <a:extLst>
-              <a:ext uri="{FF2B5EF4-FFF2-40B4-BE49-F238E27FC236}">
-                <a16:creationId xmlns:a16="http://schemas.microsoft.com/office/drawing/2014/main" id="{0D9C9ED7-4BA4-4A52-A859-CD9FFE710D26}"/>
-              </a:ext>
-            </a:extLst>
-          </p:cNvPr>
-          <p:cNvSpPr txBox="1"/>
-          <p:nvPr/>
-        </p:nvSpPr>
-        <p:spPr>
-          <a:xfrm>
-            <a:off x="8269361" y="4219772"/>
-            <a:ext cx="1202522" cy="246221"/>
-          </a:xfrm>
-          <a:prstGeom prst="rect">
-            <a:avLst/>
-          </a:prstGeom>
-          <a:noFill/>
-        </p:spPr>
-        <p:txBody>
-          <a:bodyPr wrap="square" rtlCol="0">
-            <a:spAutoFit/>
-          </a:bodyPr>
-          <a:lstStyle/>
-          <a:p>
-            <a:pPr algn="ctr"/>
-            <a:r>
-              <a:rPr lang="en-US" sz="1000" dirty="0">
-                <a:latin typeface="Amazon Ember" panose="020B0603020204020204" pitchFamily="34" charset="0"/>
-                <a:ea typeface="Amazon Ember" panose="020B0603020204020204" pitchFamily="34" charset="0"/>
-                <a:cs typeface="Amazon Ember" panose="020B0603020204020204" pitchFamily="34" charset="0"/>
-              </a:rPr>
-              <a:t>Parameter Store</a:t>
-            </a:r>
-          </a:p>
-        </p:txBody>
-      </p:sp>
       <p:pic>
         <p:nvPicPr>
-          <p:cNvPr id="79" name="Graphic 67">
-            <a:extLst>
-              <a:ext uri="{FF2B5EF4-FFF2-40B4-BE49-F238E27FC236}">
-                <a16:creationId xmlns:a16="http://schemas.microsoft.com/office/drawing/2014/main" id="{A7424224-B5A8-40A2-AAC6-7A1B95481AC7}"/>
+          <p:cNvPr id="54" name="Graphic 43">
+            <a:extLst>
+              <a:ext uri="{FF2B5EF4-FFF2-40B4-BE49-F238E27FC236}">
+                <a16:creationId xmlns:a16="http://schemas.microsoft.com/office/drawing/2014/main" id="{AA07898E-3D66-5446-8B50-9BAB110FEFDB}"/>
               </a:ext>
             </a:extLst>
           </p:cNvPr>
@@ -7863,8 +9348,17 @@
         <p:blipFill>
           <a:blip r:embed="rId20">
             <a:extLst>
+              <a:ext uri="{BEBA8EAE-BF5A-486C-A8C5-ECC9F3942E4B}">
+                <a14:imgProps xmlns:a14="http://schemas.microsoft.com/office/drawing/2010/main">
+                  <a14:imgLayer r:embed="rId21">
+                    <a14:imgEffect>
+                      <a14:artisticPhotocopy/>
+                    </a14:imgEffect>
+                  </a14:imgLayer>
+                </a14:imgProps>
+              </a:ext>
               <a:ext uri="{96DAC541-7B7A-43D3-8B79-37D633B846F1}">
-                <asvg:svgBlip xmlns="" xmlns:asvg="http://schemas.microsoft.com/office/drawing/2016/SVG/main" r:embed="rId25"/>
+                <asvg:svgBlip xmlns:asvg="http://schemas.microsoft.com/office/drawing/2016/SVG/main" xmlns="" r:embed="rId32"/>
               </a:ext>
             </a:extLst>
           </a:blip>
@@ -7874,7 +9368,7 @@
         </p:blipFill>
         <p:spPr>
           <a:xfrm>
-            <a:off x="8638704" y="3733343"/>
+            <a:off x="5626100" y="2094808"/>
             <a:ext cx="469900" cy="469900"/>
           </a:xfrm>
           <a:prstGeom prst="rect">
@@ -7882,9 +9376,45 @@
           </a:prstGeom>
         </p:spPr>
       </p:pic>
+      <p:sp>
+        <p:nvSpPr>
+          <p:cNvPr id="39" name="TextBox 38">
+            <a:extLst>
+              <a:ext uri="{FF2B5EF4-FFF2-40B4-BE49-F238E27FC236}">
+                <a16:creationId xmlns:a16="http://schemas.microsoft.com/office/drawing/2014/main" id="{4722BC20-320C-4D7A-A14F-078F906B6A29}"/>
+              </a:ext>
+            </a:extLst>
+          </p:cNvPr>
+          <p:cNvSpPr txBox="1"/>
+          <p:nvPr/>
+        </p:nvSpPr>
+        <p:spPr>
+          <a:xfrm>
+            <a:off x="7756496" y="3056885"/>
+            <a:ext cx="2301904" cy="246221"/>
+          </a:xfrm>
+          <a:prstGeom prst="rect">
+            <a:avLst/>
+          </a:prstGeom>
+          <a:noFill/>
+        </p:spPr>
+        <p:txBody>
+          <a:bodyPr wrap="square" rtlCol="0">
+            <a:spAutoFit/>
+          </a:bodyPr>
+          <a:lstStyle/>
+          <a:p>
+            <a:pPr algn="ctr"/>
+            <a:r>
+              <a:rPr lang="en-US" sz="1000" dirty="0"/>
+              <a:t>AWS Secrets Manager</a:t>
+            </a:r>
+          </a:p>
+        </p:txBody>
+      </p:sp>
       <p:pic>
         <p:nvPicPr>
-          <p:cNvPr id="82" name="Graphic 81">
+          <p:cNvPr id="41" name="Graphic 81">
             <a:extLst>
               <a:ext uri="{FF2B5EF4-FFF2-40B4-BE49-F238E27FC236}">
                 <a16:creationId xmlns:a16="http://schemas.microsoft.com/office/drawing/2014/main" id="{433A91E4-2B6F-4880-9946-495A6DFFF5D6}"/>
@@ -7897,10 +9427,10 @@
           <p:nvPr/>
         </p:nvPicPr>
         <p:blipFill>
-          <a:blip r:embed="rId26">
+          <a:blip r:embed="rId33">
             <a:extLst>
               <a:ext uri="{96DAC541-7B7A-43D3-8B79-37D633B846F1}">
-                <asvg:svgBlip xmlns="" xmlns:asvg="http://schemas.microsoft.com/office/drawing/2016/SVG/main" r:embed="rId29"/>
+                <asvg:svgBlip xmlns:asvg="http://schemas.microsoft.com/office/drawing/2016/SVG/main" xmlns="" r:embed="rId29"/>
               </a:ext>
             </a:extLst>
           </a:blip>
@@ -7910,7 +9440,7 @@
         </p:blipFill>
         <p:spPr>
           <a:xfrm>
-            <a:off x="8627190" y="2690409"/>
+            <a:off x="8666756" y="2514600"/>
             <a:ext cx="460921" cy="460921"/>
           </a:xfrm>
           <a:prstGeom prst="rect">
@@ -7920,10 +9450,465 @@
       </p:pic>
       <p:pic>
         <p:nvPicPr>
-          <p:cNvPr id="54" name="Graphic 43">
-            <a:extLst>
-              <a:ext uri="{FF2B5EF4-FFF2-40B4-BE49-F238E27FC236}">
-                <a16:creationId xmlns:a16="http://schemas.microsoft.com/office/drawing/2014/main" id="{AA07898E-3D66-5446-8B50-9BAB110FEFDB}"/>
+          <p:cNvPr id="42" name="Graphic 15">
+            <a:extLst>
+              <a:ext uri="{FF2B5EF4-FFF2-40B4-BE49-F238E27FC236}">
+                <a16:creationId xmlns:a16="http://schemas.microsoft.com/office/drawing/2014/main" id="{3A010F8A-DF9B-CA43-8D41-3A122544E272}"/>
+              </a:ext>
+            </a:extLst>
+          </p:cNvPr>
+          <p:cNvPicPr>
+            <a:picLocks noChangeAspect="1" noChangeArrowheads="1"/>
+          </p:cNvPicPr>
+          <p:nvPr/>
+        </p:nvPicPr>
+        <p:blipFill>
+          <a:blip r:embed="rId34" cstate="print">
+            <a:extLst>
+              <a:ext uri="{28A0092B-C50C-407E-A947-70E740481C1C}">
+                <a14:useLocalDpi xmlns:a14="http://schemas.microsoft.com/office/drawing/2010/main" val="0"/>
+              </a:ext>
+            </a:extLst>
+          </a:blip>
+          <a:srcRect/>
+          <a:stretch>
+            <a:fillRect/>
+          </a:stretch>
+        </p:blipFill>
+        <p:spPr bwMode="auto">
+          <a:xfrm>
+            <a:off x="8654493" y="1295400"/>
+            <a:ext cx="457200" cy="457200"/>
+          </a:xfrm>
+          <a:prstGeom prst="rect">
+            <a:avLst/>
+          </a:prstGeom>
+          <a:noFill/>
+          <a:ln>
+            <a:noFill/>
+          </a:ln>
+          <a:extLst>
+            <a:ext uri="{909E8E84-426E-40DD-AFC4-6F175D3DCCD1}">
+              <a14:hiddenFill xmlns:a14="http://schemas.microsoft.com/office/drawing/2010/main">
+                <a:solidFill>
+                  <a:srgbClr val="FFFFFF"/>
+                </a:solidFill>
+              </a14:hiddenFill>
+            </a:ext>
+            <a:ext uri="{91240B29-F687-4F45-9708-019B960494DF}">
+              <a14:hiddenLine xmlns:a14="http://schemas.microsoft.com/office/drawing/2010/main" w="9525">
+                <a:solidFill>
+                  <a:srgbClr val="000000"/>
+                </a:solidFill>
+                <a:miter lim="800000"/>
+                <a:headEnd/>
+                <a:tailEnd/>
+              </a14:hiddenLine>
+            </a:ext>
+          </a:extLst>
+        </p:spPr>
+      </p:pic>
+      <p:sp>
+        <p:nvSpPr>
+          <p:cNvPr id="45" name="TextBox 11">
+            <a:extLst>
+              <a:ext uri="{FF2B5EF4-FFF2-40B4-BE49-F238E27FC236}">
+                <a16:creationId xmlns:a16="http://schemas.microsoft.com/office/drawing/2014/main" id="{EE7EF599-CC93-1843-94CE-F010641A8D23}"/>
+              </a:ext>
+            </a:extLst>
+          </p:cNvPr>
+          <p:cNvSpPr txBox="1">
+            <a:spLocks noChangeArrowheads="1"/>
+          </p:cNvSpPr>
+          <p:nvPr/>
+        </p:nvSpPr>
+        <p:spPr bwMode="auto">
+          <a:xfrm>
+            <a:off x="7772400" y="1828800"/>
+            <a:ext cx="2292350" cy="246221"/>
+          </a:xfrm>
+          <a:prstGeom prst="rect">
+            <a:avLst/>
+          </a:prstGeom>
+          <a:noFill/>
+          <a:ln>
+            <a:noFill/>
+          </a:ln>
+          <a:extLst>
+            <a:ext uri="{909E8E84-426E-40DD-AFC4-6F175D3DCCD1}">
+              <a14:hiddenFill xmlns:a14="http://schemas.microsoft.com/office/drawing/2010/main">
+                <a:solidFill>
+                  <a:srgbClr val="FFFFFF"/>
+                </a:solidFill>
+              </a14:hiddenFill>
+            </a:ext>
+            <a:ext uri="{91240B29-F687-4F45-9708-019B960494DF}">
+              <a14:hiddenLine xmlns:a14="http://schemas.microsoft.com/office/drawing/2010/main" w="9525">
+                <a:solidFill>
+                  <a:srgbClr val="000000"/>
+                </a:solidFill>
+                <a:miter lim="800000"/>
+                <a:headEnd/>
+                <a:tailEnd/>
+              </a14:hiddenLine>
+            </a:ext>
+          </a:extLst>
+        </p:spPr>
+        <p:txBody>
+          <a:bodyPr>
+            <a:spAutoFit/>
+          </a:bodyPr>
+          <a:lstStyle>
+            <a:lvl1pPr>
+              <a:defRPr>
+                <a:solidFill>
+                  <a:schemeClr val="tx1"/>
+                </a:solidFill>
+                <a:latin typeface="Calibri" panose="020F0502020204030204" pitchFamily="34" charset="0"/>
+              </a:defRPr>
+            </a:lvl1pPr>
+            <a:lvl2pPr marL="742950" indent="-285750">
+              <a:defRPr>
+                <a:solidFill>
+                  <a:schemeClr val="tx1"/>
+                </a:solidFill>
+                <a:latin typeface="Calibri" panose="020F0502020204030204" pitchFamily="34" charset="0"/>
+              </a:defRPr>
+            </a:lvl2pPr>
+            <a:lvl3pPr marL="1143000" indent="-228600">
+              <a:defRPr>
+                <a:solidFill>
+                  <a:schemeClr val="tx1"/>
+                </a:solidFill>
+                <a:latin typeface="Calibri" panose="020F0502020204030204" pitchFamily="34" charset="0"/>
+              </a:defRPr>
+            </a:lvl3pPr>
+            <a:lvl4pPr marL="1600200" indent="-228600">
+              <a:defRPr>
+                <a:solidFill>
+                  <a:schemeClr val="tx1"/>
+                </a:solidFill>
+                <a:latin typeface="Calibri" panose="020F0502020204030204" pitchFamily="34" charset="0"/>
+              </a:defRPr>
+            </a:lvl4pPr>
+            <a:lvl5pPr marL="2057400" indent="-228600">
+              <a:defRPr>
+                <a:solidFill>
+                  <a:schemeClr val="tx1"/>
+                </a:solidFill>
+                <a:latin typeface="Calibri" panose="020F0502020204030204" pitchFamily="34" charset="0"/>
+              </a:defRPr>
+            </a:lvl5pPr>
+            <a:lvl6pPr marL="2514600" indent="-228600" eaLnBrk="0" fontAlgn="base" hangingPunct="0">
+              <a:spcBef>
+                <a:spcPct val="0"/>
+              </a:spcBef>
+              <a:spcAft>
+                <a:spcPct val="0"/>
+              </a:spcAft>
+              <a:defRPr>
+                <a:solidFill>
+                  <a:schemeClr val="tx1"/>
+                </a:solidFill>
+                <a:latin typeface="Calibri" panose="020F0502020204030204" pitchFamily="34" charset="0"/>
+              </a:defRPr>
+            </a:lvl6pPr>
+            <a:lvl7pPr marL="2971800" indent="-228600" eaLnBrk="0" fontAlgn="base" hangingPunct="0">
+              <a:spcBef>
+                <a:spcPct val="0"/>
+              </a:spcBef>
+              <a:spcAft>
+                <a:spcPct val="0"/>
+              </a:spcAft>
+              <a:defRPr>
+                <a:solidFill>
+                  <a:schemeClr val="tx1"/>
+                </a:solidFill>
+                <a:latin typeface="Calibri" panose="020F0502020204030204" pitchFamily="34" charset="0"/>
+              </a:defRPr>
+            </a:lvl7pPr>
+            <a:lvl8pPr marL="3429000" indent="-228600" eaLnBrk="0" fontAlgn="base" hangingPunct="0">
+              <a:spcBef>
+                <a:spcPct val="0"/>
+              </a:spcBef>
+              <a:spcAft>
+                <a:spcPct val="0"/>
+              </a:spcAft>
+              <a:defRPr>
+                <a:solidFill>
+                  <a:schemeClr val="tx1"/>
+                </a:solidFill>
+                <a:latin typeface="Calibri" panose="020F0502020204030204" pitchFamily="34" charset="0"/>
+              </a:defRPr>
+            </a:lvl8pPr>
+            <a:lvl9pPr marL="3886200" indent="-228600" eaLnBrk="0" fontAlgn="base" hangingPunct="0">
+              <a:spcBef>
+                <a:spcPct val="0"/>
+              </a:spcBef>
+              <a:spcAft>
+                <a:spcPct val="0"/>
+              </a:spcAft>
+              <a:defRPr>
+                <a:solidFill>
+                  <a:schemeClr val="tx1"/>
+                </a:solidFill>
+                <a:latin typeface="Calibri" panose="020F0502020204030204" pitchFamily="34" charset="0"/>
+              </a:defRPr>
+            </a:lvl9pPr>
+          </a:lstStyle>
+          <a:p>
+            <a:pPr algn="ctr" eaLnBrk="1" hangingPunct="1"/>
+            <a:r>
+              <a:rPr lang="en-US" altLang="en-US" sz="1000" dirty="0">
+                <a:latin typeface="+mn-lt"/>
+                <a:ea typeface="Amazon Ember" panose="020B0603020204020204" pitchFamily="34" charset="0"/>
+                <a:cs typeface="Arial" panose="020B0604020202020204" pitchFamily="34" charset="0"/>
+              </a:rPr>
+              <a:t>AWS Systems Manager</a:t>
+            </a:r>
+          </a:p>
+        </p:txBody>
+      </p:sp>
+      <p:pic>
+        <p:nvPicPr>
+          <p:cNvPr id="46" name="Graphic 7">
+            <a:extLst>
+              <a:ext uri="{FF2B5EF4-FFF2-40B4-BE49-F238E27FC236}">
+                <a16:creationId xmlns:a16="http://schemas.microsoft.com/office/drawing/2014/main" id="{33D38E42-4821-6747-AD61-92388D656422}"/>
+              </a:ext>
+            </a:extLst>
+          </p:cNvPr>
+          <p:cNvPicPr>
+            <a:picLocks noChangeAspect="1" noChangeArrowheads="1"/>
+          </p:cNvPicPr>
+          <p:nvPr/>
+        </p:nvPicPr>
+        <p:blipFill>
+          <a:blip r:embed="rId35" cstate="print">
+            <a:extLst>
+              <a:ext uri="{28A0092B-C50C-407E-A947-70E740481C1C}">
+                <a14:useLocalDpi xmlns:a14="http://schemas.microsoft.com/office/drawing/2010/main" val="0"/>
+              </a:ext>
+            </a:extLst>
+          </a:blip>
+          <a:srcRect/>
+          <a:stretch>
+            <a:fillRect/>
+          </a:stretch>
+        </p:blipFill>
+        <p:spPr bwMode="auto">
+          <a:xfrm>
+            <a:off x="8653463" y="3792379"/>
+            <a:ext cx="457200" cy="457200"/>
+          </a:xfrm>
+          <a:prstGeom prst="rect">
+            <a:avLst/>
+          </a:prstGeom>
+          <a:noFill/>
+          <a:ln>
+            <a:noFill/>
+          </a:ln>
+          <a:extLst>
+            <a:ext uri="{909E8E84-426E-40DD-AFC4-6F175D3DCCD1}">
+              <a14:hiddenFill xmlns:a14="http://schemas.microsoft.com/office/drawing/2010/main">
+                <a:solidFill>
+                  <a:srgbClr val="FFFFFF"/>
+                </a:solidFill>
+              </a14:hiddenFill>
+            </a:ext>
+            <a:ext uri="{91240B29-F687-4F45-9708-019B960494DF}">
+              <a14:hiddenLine xmlns:a14="http://schemas.microsoft.com/office/drawing/2010/main" w="9525">
+                <a:solidFill>
+                  <a:srgbClr val="000000"/>
+                </a:solidFill>
+                <a:miter lim="800000"/>
+                <a:headEnd/>
+                <a:tailEnd/>
+              </a14:hiddenLine>
+            </a:ext>
+          </a:extLst>
+        </p:spPr>
+      </p:pic>
+      <p:sp>
+        <p:nvSpPr>
+          <p:cNvPr id="51" name="TextBox 9">
+            <a:extLst>
+              <a:ext uri="{FF2B5EF4-FFF2-40B4-BE49-F238E27FC236}">
+                <a16:creationId xmlns:a16="http://schemas.microsoft.com/office/drawing/2014/main" id="{80F5350D-68B2-F643-B739-B5C1DA9E35E8}"/>
+              </a:ext>
+            </a:extLst>
+          </p:cNvPr>
+          <p:cNvSpPr txBox="1">
+            <a:spLocks noChangeArrowheads="1"/>
+          </p:cNvSpPr>
+          <p:nvPr/>
+        </p:nvSpPr>
+        <p:spPr bwMode="auto">
+          <a:xfrm>
+            <a:off x="7739063" y="4325779"/>
+            <a:ext cx="2243137" cy="246221"/>
+          </a:xfrm>
+          <a:prstGeom prst="rect">
+            <a:avLst/>
+          </a:prstGeom>
+          <a:noFill/>
+          <a:ln>
+            <a:noFill/>
+          </a:ln>
+          <a:extLst>
+            <a:ext uri="{909E8E84-426E-40DD-AFC4-6F175D3DCCD1}">
+              <a14:hiddenFill xmlns:a14="http://schemas.microsoft.com/office/drawing/2010/main">
+                <a:solidFill>
+                  <a:srgbClr val="FFFFFF"/>
+                </a:solidFill>
+              </a14:hiddenFill>
+            </a:ext>
+            <a:ext uri="{91240B29-F687-4F45-9708-019B960494DF}">
+              <a14:hiddenLine xmlns:a14="http://schemas.microsoft.com/office/drawing/2010/main" w="9525">
+                <a:solidFill>
+                  <a:srgbClr val="000000"/>
+                </a:solidFill>
+                <a:miter lim="800000"/>
+                <a:headEnd/>
+                <a:tailEnd/>
+              </a14:hiddenLine>
+            </a:ext>
+          </a:extLst>
+        </p:spPr>
+        <p:txBody>
+          <a:bodyPr>
+            <a:spAutoFit/>
+          </a:bodyPr>
+          <a:lstStyle>
+            <a:lvl1pPr>
+              <a:defRPr>
+                <a:solidFill>
+                  <a:schemeClr val="tx1"/>
+                </a:solidFill>
+                <a:latin typeface="Calibri" panose="020F0502020204030204" pitchFamily="34" charset="0"/>
+              </a:defRPr>
+            </a:lvl1pPr>
+            <a:lvl2pPr marL="742950" indent="-285750">
+              <a:defRPr>
+                <a:solidFill>
+                  <a:schemeClr val="tx1"/>
+                </a:solidFill>
+                <a:latin typeface="Calibri" panose="020F0502020204030204" pitchFamily="34" charset="0"/>
+              </a:defRPr>
+            </a:lvl2pPr>
+            <a:lvl3pPr marL="1143000" indent="-228600">
+              <a:defRPr>
+                <a:solidFill>
+                  <a:schemeClr val="tx1"/>
+                </a:solidFill>
+                <a:latin typeface="Calibri" panose="020F0502020204030204" pitchFamily="34" charset="0"/>
+              </a:defRPr>
+            </a:lvl3pPr>
+            <a:lvl4pPr marL="1600200" indent="-228600">
+              <a:defRPr>
+                <a:solidFill>
+                  <a:schemeClr val="tx1"/>
+                </a:solidFill>
+                <a:latin typeface="Calibri" panose="020F0502020204030204" pitchFamily="34" charset="0"/>
+              </a:defRPr>
+            </a:lvl4pPr>
+            <a:lvl5pPr marL="2057400" indent="-228600">
+              <a:defRPr>
+                <a:solidFill>
+                  <a:schemeClr val="tx1"/>
+                </a:solidFill>
+                <a:latin typeface="Calibri" panose="020F0502020204030204" pitchFamily="34" charset="0"/>
+              </a:defRPr>
+            </a:lvl5pPr>
+            <a:lvl6pPr marL="2514600" indent="-228600" eaLnBrk="0" fontAlgn="base" hangingPunct="0">
+              <a:spcBef>
+                <a:spcPct val="0"/>
+              </a:spcBef>
+              <a:spcAft>
+                <a:spcPct val="0"/>
+              </a:spcAft>
+              <a:defRPr>
+                <a:solidFill>
+                  <a:schemeClr val="tx1"/>
+                </a:solidFill>
+                <a:latin typeface="Calibri" panose="020F0502020204030204" pitchFamily="34" charset="0"/>
+              </a:defRPr>
+            </a:lvl6pPr>
+            <a:lvl7pPr marL="2971800" indent="-228600" eaLnBrk="0" fontAlgn="base" hangingPunct="0">
+              <a:spcBef>
+                <a:spcPct val="0"/>
+              </a:spcBef>
+              <a:spcAft>
+                <a:spcPct val="0"/>
+              </a:spcAft>
+              <a:defRPr>
+                <a:solidFill>
+                  <a:schemeClr val="tx1"/>
+                </a:solidFill>
+                <a:latin typeface="Calibri" panose="020F0502020204030204" pitchFamily="34" charset="0"/>
+              </a:defRPr>
+            </a:lvl7pPr>
+            <a:lvl8pPr marL="3429000" indent="-228600" eaLnBrk="0" fontAlgn="base" hangingPunct="0">
+              <a:spcBef>
+                <a:spcPct val="0"/>
+              </a:spcBef>
+              <a:spcAft>
+                <a:spcPct val="0"/>
+              </a:spcAft>
+              <a:defRPr>
+                <a:solidFill>
+                  <a:schemeClr val="tx1"/>
+                </a:solidFill>
+                <a:latin typeface="Calibri" panose="020F0502020204030204" pitchFamily="34" charset="0"/>
+              </a:defRPr>
+            </a:lvl8pPr>
+            <a:lvl9pPr marL="3886200" indent="-228600" eaLnBrk="0" fontAlgn="base" hangingPunct="0">
+              <a:spcBef>
+                <a:spcPct val="0"/>
+              </a:spcBef>
+              <a:spcAft>
+                <a:spcPct val="0"/>
+              </a:spcAft>
+              <a:defRPr>
+                <a:solidFill>
+                  <a:schemeClr val="tx1"/>
+                </a:solidFill>
+                <a:latin typeface="Calibri" panose="020F0502020204030204" pitchFamily="34" charset="0"/>
+              </a:defRPr>
+            </a:lvl9pPr>
+          </a:lstStyle>
+          <a:p>
+            <a:pPr algn="ctr" eaLnBrk="1" hangingPunct="1"/>
+            <a:r>
+              <a:rPr lang="en-US" altLang="en-US" sz="1000">
+                <a:latin typeface="+mn-lt"/>
+                <a:ea typeface="Amazon Ember" panose="020B0603020204020204" pitchFamily="34" charset="0"/>
+                <a:cs typeface="Arial" panose="020B0604020202020204" pitchFamily="34" charset="0"/>
+              </a:rPr>
+              <a:t>AWS </a:t>
+            </a:r>
+            <a:r>
+              <a:rPr lang="en-US" altLang="en-US" sz="1000" smtClean="0">
+                <a:latin typeface="+mn-lt"/>
+                <a:ea typeface="Amazon Ember" panose="020B0603020204020204" pitchFamily="34" charset="0"/>
+                <a:cs typeface="Arial" panose="020B0604020202020204" pitchFamily="34" charset="0"/>
+              </a:rPr>
+              <a:t>Directory Service</a:t>
+            </a:r>
+            <a:endParaRPr lang="en-US" altLang="en-US" sz="1000" dirty="0">
+              <a:latin typeface="+mn-lt"/>
+              <a:ea typeface="Amazon Ember" panose="020B0603020204020204" pitchFamily="34" charset="0"/>
+              <a:cs typeface="Arial" panose="020B0604020202020204" pitchFamily="34" charset="0"/>
+            </a:endParaRPr>
+          </a:p>
+        </p:txBody>
+      </p:sp>
+      <p:pic>
+        <p:nvPicPr>
+          <p:cNvPr id="47" name="Graphic 135">
+            <a:extLst>
+              <a:ext uri="{FF2B5EF4-FFF2-40B4-BE49-F238E27FC236}">
+                <a16:creationId xmlns:a16="http://schemas.microsoft.com/office/drawing/2014/main" id="{C19987B1-DB3A-1640-994D-BCB81FCC1AE4}"/>
               </a:ext>
             </a:extLst>
           </p:cNvPr>
@@ -7933,19 +9918,10 @@
           <p:nvPr/>
         </p:nvPicPr>
         <p:blipFill>
-          <a:blip r:embed="rId30">
-            <a:extLst>
-              <a:ext uri="{BEBA8EAE-BF5A-486C-A8C5-ECC9F3942E4B}">
-                <a14:imgProps xmlns:a14="http://schemas.microsoft.com/office/drawing/2010/main">
-                  <a14:imgLayer r:embed="rId31">
-                    <a14:imgEffect>
-                      <a14:artisticPhotocopy/>
-                    </a14:imgEffect>
-                  </a14:imgLayer>
-                </a14:imgProps>
-              </a:ext>
+          <a:blip r:embed="rId12">
+            <a:extLst>
               <a:ext uri="{96DAC541-7B7A-43D3-8B79-37D633B846F1}">
-                <asvg:svgBlip xmlns="" xmlns:asvg="http://schemas.microsoft.com/office/drawing/2016/SVG/main" r:embed="rId32"/>
+                <asvg:svgBlip xmlns:asvg="http://schemas.microsoft.com/office/drawing/2016/SVG/main" xmlns="" r:embed="rId36"/>
               </a:ext>
             </a:extLst>
           </a:blip>
@@ -7955,7 +9931,7 @@
         </p:blipFill>
         <p:spPr>
           <a:xfrm>
-            <a:off x="5626100" y="2094808"/>
+            <a:off x="3278428" y="4215491"/>
             <a:ext cx="469900" cy="469900"/>
           </a:xfrm>
           <a:prstGeom prst="rect">
@@ -7963,10 +9939,55 @@
           </a:prstGeom>
         </p:spPr>
       </p:pic>
+      <p:sp>
+        <p:nvSpPr>
+          <p:cNvPr id="48" name="TextBox 47">
+            <a:extLst>
+              <a:ext uri="{FF2B5EF4-FFF2-40B4-BE49-F238E27FC236}">
+                <a16:creationId xmlns:a16="http://schemas.microsoft.com/office/drawing/2014/main" id="{F90C1CC4-DFE6-0445-BD1C-DB610E1A07F5}"/>
+              </a:ext>
+            </a:extLst>
+          </p:cNvPr>
+          <p:cNvSpPr txBox="1"/>
+          <p:nvPr/>
+        </p:nvSpPr>
+        <p:spPr>
+          <a:xfrm>
+            <a:off x="2756726" y="4660900"/>
+            <a:ext cx="1513305" cy="246221"/>
+          </a:xfrm>
+          <a:prstGeom prst="rect">
+            <a:avLst/>
+          </a:prstGeom>
+          <a:noFill/>
+        </p:spPr>
+        <p:txBody>
+          <a:bodyPr wrap="square" rtlCol="0">
+            <a:spAutoFit/>
+          </a:bodyPr>
+          <a:lstStyle/>
+          <a:p>
+            <a:pPr algn="ctr"/>
+            <a:r>
+              <a:rPr lang="en-US" sz="1000" smtClean="0">
+                <a:latin typeface="Amazon Ember" panose="020B0603020204020204" pitchFamily="34" charset="0"/>
+                <a:ea typeface="Amazon Ember" panose="020B0603020204020204" pitchFamily="34" charset="0"/>
+                <a:cs typeface="Amazon Ember" panose="020B0603020204020204" pitchFamily="34" charset="0"/>
+              </a:rPr>
+              <a:t>Management Instance</a:t>
+            </a:r>
+            <a:endParaRPr lang="en-US" sz="1000" dirty="0">
+              <a:latin typeface="Amazon Ember" panose="020B0603020204020204" pitchFamily="34" charset="0"/>
+              <a:ea typeface="Amazon Ember" panose="020B0603020204020204" pitchFamily="34" charset="0"/>
+              <a:cs typeface="Amazon Ember" panose="020B0603020204020204" pitchFamily="34" charset="0"/>
+            </a:endParaRPr>
+          </a:p>
+        </p:txBody>
+      </p:sp>
     </p:spTree>
     <p:extLst>
       <p:ext uri="{BB962C8B-B14F-4D97-AF65-F5344CB8AC3E}">
-        <p14:creationId xmlns:p14="http://schemas.microsoft.com/office/powerpoint/2010/main" val="2429459720"/>
+        <p14:creationId xmlns:p14="http://schemas.microsoft.com/office/powerpoint/2010/main" val="264885022"/>
       </p:ext>
     </p:extLst>
   </p:cSld>
